--- a/docs/songs_30-01-2022.pptx
+++ b/docs/songs_30-01-2022.pptx
@@ -6,45 +6,48 @@
   </p:sldMasterIdLst>
   <p:sldIdLst>
     <p:sldId id="459" r:id="rId2"/>
-    <p:sldId id="538" r:id="rId3"/>
-    <p:sldId id="539" r:id="rId4"/>
-    <p:sldId id="540" r:id="rId5"/>
-    <p:sldId id="541" r:id="rId6"/>
-    <p:sldId id="550" r:id="rId7"/>
-    <p:sldId id="461" r:id="rId8"/>
-    <p:sldId id="462" r:id="rId9"/>
-    <p:sldId id="463" r:id="rId10"/>
-    <p:sldId id="464" r:id="rId11"/>
-    <p:sldId id="515" r:id="rId12"/>
-    <p:sldId id="551" r:id="rId13"/>
-    <p:sldId id="552" r:id="rId14"/>
+    <p:sldId id="550" r:id="rId3"/>
+    <p:sldId id="461" r:id="rId4"/>
+    <p:sldId id="462" r:id="rId5"/>
+    <p:sldId id="463" r:id="rId6"/>
+    <p:sldId id="464" r:id="rId7"/>
+    <p:sldId id="515" r:id="rId8"/>
+    <p:sldId id="551" r:id="rId9"/>
+    <p:sldId id="552" r:id="rId10"/>
+    <p:sldId id="538" r:id="rId11"/>
+    <p:sldId id="539" r:id="rId12"/>
+    <p:sldId id="540" r:id="rId13"/>
+    <p:sldId id="541" r:id="rId14"/>
     <p:sldId id="527" r:id="rId15"/>
     <p:sldId id="553" r:id="rId16"/>
-    <p:sldId id="555" r:id="rId17"/>
-    <p:sldId id="556" r:id="rId18"/>
-    <p:sldId id="421" r:id="rId19"/>
-    <p:sldId id="542" r:id="rId20"/>
-    <p:sldId id="543" r:id="rId21"/>
-    <p:sldId id="482" r:id="rId22"/>
-    <p:sldId id="483" r:id="rId23"/>
-    <p:sldId id="531" r:id="rId24"/>
-    <p:sldId id="557" r:id="rId25"/>
-    <p:sldId id="559" r:id="rId26"/>
-    <p:sldId id="558" r:id="rId27"/>
-    <p:sldId id="560" r:id="rId28"/>
-    <p:sldId id="537" r:id="rId29"/>
-    <p:sldId id="536" r:id="rId30"/>
-    <p:sldId id="535" r:id="rId31"/>
-    <p:sldId id="516" r:id="rId32"/>
-    <p:sldId id="517" r:id="rId33"/>
-    <p:sldId id="518" r:id="rId34"/>
-    <p:sldId id="519" r:id="rId35"/>
-    <p:sldId id="544" r:id="rId36"/>
-    <p:sldId id="545" r:id="rId37"/>
-    <p:sldId id="546" r:id="rId38"/>
-    <p:sldId id="547" r:id="rId39"/>
-    <p:sldId id="548" r:id="rId40"/>
-    <p:sldId id="549" r:id="rId41"/>
+    <p:sldId id="561" r:id="rId17"/>
+    <p:sldId id="555" r:id="rId18"/>
+    <p:sldId id="556" r:id="rId19"/>
+    <p:sldId id="421" r:id="rId20"/>
+    <p:sldId id="542" r:id="rId21"/>
+    <p:sldId id="543" r:id="rId22"/>
+    <p:sldId id="482" r:id="rId23"/>
+    <p:sldId id="483" r:id="rId24"/>
+    <p:sldId id="562" r:id="rId25"/>
+    <p:sldId id="563" r:id="rId26"/>
+    <p:sldId id="537" r:id="rId27"/>
+    <p:sldId id="536" r:id="rId28"/>
+    <p:sldId id="535" r:id="rId29"/>
+    <p:sldId id="531" r:id="rId30"/>
+    <p:sldId id="557" r:id="rId31"/>
+    <p:sldId id="559" r:id="rId32"/>
+    <p:sldId id="558" r:id="rId33"/>
+    <p:sldId id="560" r:id="rId34"/>
+    <p:sldId id="516" r:id="rId35"/>
+    <p:sldId id="517" r:id="rId36"/>
+    <p:sldId id="518" r:id="rId37"/>
+    <p:sldId id="519" r:id="rId38"/>
+    <p:sldId id="544" r:id="rId39"/>
+    <p:sldId id="545" r:id="rId40"/>
+    <p:sldId id="546" r:id="rId41"/>
+    <p:sldId id="547" r:id="rId42"/>
+    <p:sldId id="548" r:id="rId43"/>
+    <p:sldId id="549" r:id="rId44"/>
   </p:sldIdLst>
   <p:sldSz cx="9144000" cy="6858000" type="screen4x3"/>
   <p:notesSz cx="6858000" cy="9144000"/>
@@ -344,7 +347,7 @@
             <a:fld id="{26EA1CF3-4A15-4CBF-9A5A-6A56C368BE71}" type="datetimeFigureOut">
               <a:rPr lang="en-GB" smtClean="0"/>
               <a:pPr/>
-              <a:t>24/01/2022</a:t>
+              <a:t>29/01/2022</a:t>
             </a:fld>
             <a:endParaRPr lang="en-GB"/>
           </a:p>
@@ -511,7 +514,7 @@
             <a:fld id="{26EA1CF3-4A15-4CBF-9A5A-6A56C368BE71}" type="datetimeFigureOut">
               <a:rPr lang="en-GB" smtClean="0"/>
               <a:pPr/>
-              <a:t>24/01/2022</a:t>
+              <a:t>29/01/2022</a:t>
             </a:fld>
             <a:endParaRPr lang="en-GB"/>
           </a:p>
@@ -688,7 +691,7 @@
             <a:fld id="{26EA1CF3-4A15-4CBF-9A5A-6A56C368BE71}" type="datetimeFigureOut">
               <a:rPr lang="en-GB" smtClean="0"/>
               <a:pPr/>
-              <a:t>24/01/2022</a:t>
+              <a:t>29/01/2022</a:t>
             </a:fld>
             <a:endParaRPr lang="en-GB"/>
           </a:p>
@@ -855,7 +858,7 @@
             <a:fld id="{26EA1CF3-4A15-4CBF-9A5A-6A56C368BE71}" type="datetimeFigureOut">
               <a:rPr lang="en-GB" smtClean="0"/>
               <a:pPr/>
-              <a:t>24/01/2022</a:t>
+              <a:t>29/01/2022</a:t>
             </a:fld>
             <a:endParaRPr lang="en-GB"/>
           </a:p>
@@ -1098,7 +1101,7 @@
             <a:fld id="{26EA1CF3-4A15-4CBF-9A5A-6A56C368BE71}" type="datetimeFigureOut">
               <a:rPr lang="en-GB" smtClean="0"/>
               <a:pPr/>
-              <a:t>24/01/2022</a:t>
+              <a:t>29/01/2022</a:t>
             </a:fld>
             <a:endParaRPr lang="en-GB"/>
           </a:p>
@@ -1383,7 +1386,7 @@
             <a:fld id="{26EA1CF3-4A15-4CBF-9A5A-6A56C368BE71}" type="datetimeFigureOut">
               <a:rPr lang="en-GB" smtClean="0"/>
               <a:pPr/>
-              <a:t>24/01/2022</a:t>
+              <a:t>29/01/2022</a:t>
             </a:fld>
             <a:endParaRPr lang="en-GB"/>
           </a:p>
@@ -1802,7 +1805,7 @@
             <a:fld id="{26EA1CF3-4A15-4CBF-9A5A-6A56C368BE71}" type="datetimeFigureOut">
               <a:rPr lang="en-GB" smtClean="0"/>
               <a:pPr/>
-              <a:t>24/01/2022</a:t>
+              <a:t>29/01/2022</a:t>
             </a:fld>
             <a:endParaRPr lang="en-GB"/>
           </a:p>
@@ -1917,7 +1920,7 @@
             <a:fld id="{26EA1CF3-4A15-4CBF-9A5A-6A56C368BE71}" type="datetimeFigureOut">
               <a:rPr lang="en-GB" smtClean="0"/>
               <a:pPr/>
-              <a:t>24/01/2022</a:t>
+              <a:t>29/01/2022</a:t>
             </a:fld>
             <a:endParaRPr lang="en-GB"/>
           </a:p>
@@ -2009,7 +2012,7 @@
             <a:fld id="{26EA1CF3-4A15-4CBF-9A5A-6A56C368BE71}" type="datetimeFigureOut">
               <a:rPr lang="en-GB" smtClean="0"/>
               <a:pPr/>
-              <a:t>24/01/2022</a:t>
+              <a:t>29/01/2022</a:t>
             </a:fld>
             <a:endParaRPr lang="en-GB"/>
           </a:p>
@@ -2283,7 +2286,7 @@
             <a:fld id="{26EA1CF3-4A15-4CBF-9A5A-6A56C368BE71}" type="datetimeFigureOut">
               <a:rPr lang="en-GB" smtClean="0"/>
               <a:pPr/>
-              <a:t>24/01/2022</a:t>
+              <a:t>29/01/2022</a:t>
             </a:fld>
             <a:endParaRPr lang="en-GB"/>
           </a:p>
@@ -2533,7 +2536,7 @@
             <a:fld id="{26EA1CF3-4A15-4CBF-9A5A-6A56C368BE71}" type="datetimeFigureOut">
               <a:rPr lang="en-GB" smtClean="0"/>
               <a:pPr/>
-              <a:t>24/01/2022</a:t>
+              <a:t>29/01/2022</a:t>
             </a:fld>
             <a:endParaRPr lang="en-GB"/>
           </a:p>
@@ -2746,7 +2749,7 @@
             <a:fld id="{26EA1CF3-4A15-4CBF-9A5A-6A56C368BE71}" type="datetimeFigureOut">
               <a:rPr lang="en-GB" smtClean="0"/>
               <a:pPr/>
-              <a:t>24/01/2022</a:t>
+              <a:t>29/01/2022</a:t>
             </a:fld>
             <a:endParaRPr lang="en-GB"/>
           </a:p>
@@ -3279,76 +3282,119 @@
           </a:bodyPr>
           <a:lstStyle/>
           <a:p>
-            <a:r>
-              <a:rPr lang="en-GB" sz="5600" dirty="0">
-                <a:solidFill>
-                  <a:schemeClr val="bg1"/>
-                </a:solidFill>
-              </a:rPr>
-              <a:t>Blessed be the name of the Lord</a:t>
-            </a:r>
-          </a:p>
-          <a:p>
-            <a:r>
-              <a:rPr lang="en-GB" sz="5600" dirty="0">
-                <a:solidFill>
-                  <a:schemeClr val="bg1"/>
-                </a:solidFill>
-              </a:rPr>
-              <a:t>Blessed be Your name</a:t>
-            </a:r>
-          </a:p>
-          <a:p>
-            <a:r>
-              <a:rPr lang="en-GB" sz="5600" dirty="0">
-                <a:solidFill>
-                  <a:schemeClr val="bg1"/>
-                </a:solidFill>
-              </a:rPr>
-              <a:t>Blessed be the name of the Lord</a:t>
-            </a:r>
-          </a:p>
-          <a:p>
-            <a:r>
-              <a:rPr lang="en-GB" sz="5600" dirty="0">
-                <a:solidFill>
-                  <a:schemeClr val="bg1"/>
-                </a:solidFill>
-              </a:rPr>
-              <a:t>Blessed be Your glorious name</a:t>
-            </a:r>
-          </a:p>
-        </p:txBody>
-      </p:sp>
-      <p:sp>
-        <p:nvSpPr>
-          <p:cNvPr id="4" name="TextBox 3"/>
-          <p:cNvSpPr txBox="1"/>
-          <p:nvPr/>
-        </p:nvSpPr>
-        <p:spPr>
-          <a:xfrm>
-            <a:off x="8529729" y="0"/>
-            <a:ext cx="628698" cy="461665"/>
-          </a:xfrm>
-          <a:prstGeom prst="rect">
-            <a:avLst/>
-          </a:prstGeom>
-          <a:noFill/>
-        </p:spPr>
-        <p:txBody>
-          <a:bodyPr wrap="none" rtlCol="0">
-            <a:spAutoFit/>
-          </a:bodyPr>
-          <a:lstStyle/>
-          <a:p>
-            <a:r>
-              <a:rPr lang="en-GB" sz="2400" b="1" dirty="0">
-                <a:solidFill>
-                  <a:schemeClr val="bg1"/>
-                </a:solidFill>
-              </a:rPr>
-              <a:t>4/7</a:t>
+            <a:endParaRPr lang="en-GB" sz="9600" dirty="0"/>
+          </a:p>
+          <a:p>
+            <a:r>
+              <a:rPr lang="en-GB" sz="9600" dirty="0">
+                <a:solidFill>
+                  <a:schemeClr val="bg1"/>
+                </a:solidFill>
+              </a:rPr>
+              <a:t>Our God</a:t>
+            </a:r>
+          </a:p>
+          <a:p>
+            <a:r>
+              <a:rPr lang="en-GB" sz="1200" dirty="0"/>
+              <a:t> CCLI Song # 5677416</a:t>
+            </a:r>
+          </a:p>
+          <a:p>
+            <a:r>
+              <a:rPr lang="en-GB" sz="1200" dirty="0"/>
+              <a:t>Chris Tomlin | Jesse Reeves | Jonas </a:t>
+            </a:r>
+            <a:r>
+              <a:rPr lang="en-GB" sz="1200" dirty="0" err="1"/>
+              <a:t>Myrin</a:t>
+            </a:r>
+            <a:r>
+              <a:rPr lang="en-GB" sz="1200" dirty="0"/>
+              <a:t> | Matt Redman</a:t>
+            </a:r>
+          </a:p>
+          <a:p>
+            <a:r>
+              <a:rPr lang="en-GB" sz="1200" dirty="0"/>
+              <a:t>© 2010 </a:t>
+            </a:r>
+            <a:r>
+              <a:rPr lang="en-GB" sz="1200" dirty="0" err="1"/>
+              <a:t>sixsteps</a:t>
+            </a:r>
+            <a:r>
+              <a:rPr lang="en-GB" sz="1200" dirty="0"/>
+              <a:t> Music (Admin. by Integrity Music)</a:t>
+            </a:r>
+          </a:p>
+          <a:p>
+            <a:r>
+              <a:rPr lang="en-GB" sz="1200" dirty="0" err="1"/>
+              <a:t>Thankyou</a:t>
+            </a:r>
+            <a:r>
+              <a:rPr lang="en-GB" sz="1200" dirty="0"/>
+              <a:t> Music (Admin. by Integrity Music)</a:t>
+            </a:r>
+          </a:p>
+          <a:p>
+            <a:r>
+              <a:rPr lang="en-GB" sz="1200" dirty="0" err="1"/>
+              <a:t>Vamos</a:t>
+            </a:r>
+            <a:r>
+              <a:rPr lang="en-GB" sz="1200" dirty="0"/>
+              <a:t> Publishing (Admin. by Integrity Music)</a:t>
+            </a:r>
+          </a:p>
+          <a:p>
+            <a:r>
+              <a:rPr lang="en-GB" sz="1200" dirty="0"/>
+              <a:t>worshiptogether.com songs (Admin. by Integrity Music)</a:t>
+            </a:r>
+          </a:p>
+          <a:p>
+            <a:r>
+              <a:rPr lang="en-GB" sz="1200" dirty="0"/>
+              <a:t>Atlas Mountain Songs (Admin. by SHOUT! Music Publishing UK)</a:t>
+            </a:r>
+          </a:p>
+          <a:p>
+            <a:r>
+              <a:rPr lang="en-GB" sz="1200" i="1" dirty="0"/>
+              <a:t>For use solely with the </a:t>
+            </a:r>
+            <a:r>
+              <a:rPr lang="en-GB" sz="1200" i="1" dirty="0" err="1"/>
+              <a:t>SongSelect</a:t>
+            </a:r>
+            <a:r>
+              <a:rPr lang="en-GB" sz="1200" i="1" dirty="0"/>
+              <a:t>® </a:t>
+            </a:r>
+            <a:r>
+              <a:rPr lang="en-GB" sz="1200" i="1" dirty="0">
+                <a:hlinkClick r:id="rId2"/>
+              </a:rPr>
+              <a:t>Terms of Use</a:t>
+            </a:r>
+            <a:r>
+              <a:rPr lang="en-GB" sz="1200" i="1" dirty="0"/>
+              <a:t>. All rights reserved. </a:t>
+            </a:r>
+            <a:r>
+              <a:rPr lang="en-GB" sz="1200" i="1" dirty="0">
+                <a:hlinkClick r:id="rId3"/>
+              </a:rPr>
+              <a:t>www.ccli.com</a:t>
+            </a:r>
+            <a:endParaRPr lang="en-GB" sz="1200" i="1" dirty="0"/>
+          </a:p>
+          <a:p>
+            <a:r>
+              <a:rPr lang="en-GB" sz="1200" dirty="0"/>
+              <a:t>CCLI Licence No. 33265</a:t>
             </a:r>
           </a:p>
         </p:txBody>
@@ -3356,7 +3402,7 @@
     </p:spTree>
     <p:extLst>
       <p:ext uri="{BB962C8B-B14F-4D97-AF65-F5344CB8AC3E}">
-        <p14:creationId xmlns:p14="http://schemas.microsoft.com/office/powerpoint/2010/main" val="3419756315"/>
+        <p14:creationId xmlns:p14="http://schemas.microsoft.com/office/powerpoint/2010/main" val="2092879566"/>
       </p:ext>
     </p:extLst>
   </p:cSld>
@@ -3406,42 +3452,117 @@
           <a:lstStyle/>
           <a:p>
             <a:r>
-              <a:rPr lang="en-GB" sz="6000" dirty="0">
-                <a:solidFill>
-                  <a:schemeClr val="bg1"/>
-                </a:solidFill>
-              </a:rPr>
-              <a:t>Blessed be Your name</a:t>
-            </a:r>
-          </a:p>
-          <a:p>
-            <a:r>
-              <a:rPr lang="en-GB" sz="6000" dirty="0">
-                <a:solidFill>
-                  <a:schemeClr val="bg1"/>
-                </a:solidFill>
-              </a:rPr>
-              <a:t>When the sun's shining down on me</a:t>
-            </a:r>
-          </a:p>
-          <a:p>
-            <a:r>
-              <a:rPr lang="en-GB" sz="6000" dirty="0">
-                <a:solidFill>
-                  <a:schemeClr val="bg1"/>
-                </a:solidFill>
-              </a:rPr>
-              <a:t>When the world's all as it should be</a:t>
-            </a:r>
-          </a:p>
-          <a:p>
-            <a:r>
-              <a:rPr lang="en-GB" sz="6000" dirty="0">
-                <a:solidFill>
-                  <a:schemeClr val="bg1"/>
-                </a:solidFill>
-              </a:rPr>
-              <a:t>Blessed be Your name</a:t>
+              <a:rPr lang="en-GB" sz="5400" dirty="0">
+                <a:solidFill>
+                  <a:schemeClr val="bg1"/>
+                </a:solidFill>
+              </a:rPr>
+              <a:t>Water You turned into wine</a:t>
+            </a:r>
+            <a:br>
+              <a:rPr lang="en-GB" sz="5400" dirty="0">
+                <a:solidFill>
+                  <a:schemeClr val="bg1"/>
+                </a:solidFill>
+              </a:rPr>
+            </a:br>
+            <a:r>
+              <a:rPr lang="en-GB" sz="5400" dirty="0">
+                <a:solidFill>
+                  <a:schemeClr val="bg1"/>
+                </a:solidFill>
+              </a:rPr>
+              <a:t>Opened the eyes of the blind</a:t>
+            </a:r>
+            <a:br>
+              <a:rPr lang="en-GB" sz="5400" dirty="0">
+                <a:solidFill>
+                  <a:schemeClr val="bg1"/>
+                </a:solidFill>
+              </a:rPr>
+            </a:br>
+            <a:r>
+              <a:rPr lang="en-GB" sz="5400" dirty="0">
+                <a:solidFill>
+                  <a:schemeClr val="bg1"/>
+                </a:solidFill>
+              </a:rPr>
+              <a:t>There's no one like you</a:t>
+            </a:r>
+            <a:br>
+              <a:rPr lang="en-GB" sz="5400" dirty="0">
+                <a:solidFill>
+                  <a:schemeClr val="bg1"/>
+                </a:solidFill>
+              </a:rPr>
+            </a:br>
+            <a:r>
+              <a:rPr lang="en-GB" sz="5400" dirty="0">
+                <a:solidFill>
+                  <a:schemeClr val="bg1"/>
+                </a:solidFill>
+              </a:rPr>
+              <a:t>None like you</a:t>
+            </a:r>
+            <a:br>
+              <a:rPr lang="en-GB" sz="5400" dirty="0">
+                <a:solidFill>
+                  <a:schemeClr val="bg1"/>
+                </a:solidFill>
+              </a:rPr>
+            </a:br>
+            <a:r>
+              <a:rPr lang="en-GB" sz="5400" dirty="0">
+                <a:solidFill>
+                  <a:schemeClr val="bg1"/>
+                </a:solidFill>
+              </a:rPr>
+              <a:t>Into the darkness You shine</a:t>
+            </a:r>
+            <a:br>
+              <a:rPr lang="en-GB" sz="5400" dirty="0">
+                <a:solidFill>
+                  <a:schemeClr val="bg1"/>
+                </a:solidFill>
+              </a:rPr>
+            </a:br>
+            <a:r>
+              <a:rPr lang="en-GB" sz="5400" dirty="0">
+                <a:solidFill>
+                  <a:schemeClr val="bg1"/>
+                </a:solidFill>
+              </a:rPr>
+              <a:t>Out of the ashes we rise</a:t>
+            </a:r>
+            <a:br>
+              <a:rPr lang="en-GB" sz="5400" dirty="0">
+                <a:solidFill>
+                  <a:schemeClr val="bg1"/>
+                </a:solidFill>
+              </a:rPr>
+            </a:br>
+            <a:r>
+              <a:rPr lang="en-GB" sz="5400" dirty="0">
+                <a:solidFill>
+                  <a:schemeClr val="bg1"/>
+                </a:solidFill>
+              </a:rPr>
+              <a:t>There's No one like you</a:t>
+            </a:r>
+            <a:br>
+              <a:rPr lang="en-GB" sz="5400" dirty="0">
+                <a:solidFill>
+                  <a:schemeClr val="bg1"/>
+                </a:solidFill>
+              </a:rPr>
+            </a:br>
+            <a:r>
+              <a:rPr lang="en-GB" sz="5400" dirty="0">
+                <a:solidFill>
+                  <a:schemeClr val="bg1"/>
+                </a:solidFill>
+              </a:rPr>
+              <a:t>None like you</a:t>
             </a:r>
           </a:p>
         </p:txBody>
@@ -3474,7 +3595,7 @@
                   <a:schemeClr val="bg1"/>
                 </a:solidFill>
               </a:rPr>
-              <a:t>5/7</a:t>
+              <a:t>1/3</a:t>
             </a:r>
           </a:p>
         </p:txBody>
@@ -3482,7 +3603,7 @@
     </p:spTree>
     <p:extLst>
       <p:ext uri="{BB962C8B-B14F-4D97-AF65-F5344CB8AC3E}">
-        <p14:creationId xmlns:p14="http://schemas.microsoft.com/office/powerpoint/2010/main" val="76937280"/>
+        <p14:creationId xmlns:p14="http://schemas.microsoft.com/office/powerpoint/2010/main" val="1650578098"/>
       </p:ext>
     </p:extLst>
   </p:cSld>
@@ -3532,42 +3653,77 @@
           <a:lstStyle/>
           <a:p>
             <a:r>
-              <a:rPr lang="en-GB" sz="6000" dirty="0">
-                <a:solidFill>
-                  <a:schemeClr val="bg1"/>
-                </a:solidFill>
-              </a:rPr>
-              <a:t>Blessed be Your name</a:t>
-            </a:r>
-          </a:p>
-          <a:p>
-            <a:r>
-              <a:rPr lang="en-GB" sz="6000" dirty="0">
-                <a:solidFill>
-                  <a:schemeClr val="bg1"/>
-                </a:solidFill>
-              </a:rPr>
-              <a:t>On the road marked with suffering</a:t>
-            </a:r>
-          </a:p>
-          <a:p>
-            <a:r>
-              <a:rPr lang="en-GB" sz="6000" dirty="0">
-                <a:solidFill>
-                  <a:schemeClr val="bg1"/>
-                </a:solidFill>
-              </a:rPr>
-              <a:t>Though there's pain in the offering</a:t>
-            </a:r>
-          </a:p>
-          <a:p>
-            <a:r>
-              <a:rPr lang="en-GB" sz="6000" dirty="0">
-                <a:solidFill>
-                  <a:schemeClr val="bg1"/>
-                </a:solidFill>
-              </a:rPr>
-              <a:t>Blessed be Your name</a:t>
+              <a:rPr lang="en-GB" sz="5400" dirty="0">
+                <a:solidFill>
+                  <a:schemeClr val="bg1"/>
+                </a:solidFill>
+              </a:rPr>
+              <a:t>Our God is greater, </a:t>
+            </a:r>
+          </a:p>
+          <a:p>
+            <a:r>
+              <a:rPr lang="en-GB" sz="5400" dirty="0">
+                <a:solidFill>
+                  <a:schemeClr val="bg1"/>
+                </a:solidFill>
+              </a:rPr>
+              <a:t>Our God is stronger</a:t>
+            </a:r>
+            <a:br>
+              <a:rPr lang="en-GB" sz="5400" dirty="0">
+                <a:solidFill>
+                  <a:schemeClr val="bg1"/>
+                </a:solidFill>
+              </a:rPr>
+            </a:br>
+            <a:r>
+              <a:rPr lang="en-GB" sz="5400" dirty="0">
+                <a:solidFill>
+                  <a:schemeClr val="bg1"/>
+                </a:solidFill>
+              </a:rPr>
+              <a:t>God You are higher than any other</a:t>
+            </a:r>
+            <a:br>
+              <a:rPr lang="en-GB" sz="5400" dirty="0">
+                <a:solidFill>
+                  <a:schemeClr val="bg1"/>
+                </a:solidFill>
+              </a:rPr>
+            </a:br>
+            <a:r>
+              <a:rPr lang="en-GB" sz="5400" dirty="0">
+                <a:solidFill>
+                  <a:schemeClr val="bg1"/>
+                </a:solidFill>
+              </a:rPr>
+              <a:t>Our God is Healer, </a:t>
+            </a:r>
+          </a:p>
+          <a:p>
+            <a:r>
+              <a:rPr lang="en-GB" sz="5400" dirty="0">
+                <a:solidFill>
+                  <a:schemeClr val="bg1"/>
+                </a:solidFill>
+              </a:rPr>
+              <a:t>Awesome in power</a:t>
+            </a:r>
+            <a:br>
+              <a:rPr lang="en-GB" sz="5400" dirty="0">
+                <a:solidFill>
+                  <a:schemeClr val="bg1"/>
+                </a:solidFill>
+              </a:rPr>
+            </a:br>
+            <a:r>
+              <a:rPr lang="en-GB" sz="5400" dirty="0">
+                <a:solidFill>
+                  <a:schemeClr val="bg1"/>
+                </a:solidFill>
+              </a:rPr>
+              <a:t>Our God, Our God</a:t>
             </a:r>
           </a:p>
         </p:txBody>
@@ -3600,7 +3756,7 @@
                   <a:schemeClr val="bg1"/>
                 </a:solidFill>
               </a:rPr>
-              <a:t>6/7</a:t>
+              <a:t>2/3</a:t>
             </a:r>
           </a:p>
         </p:txBody>
@@ -3608,7 +3764,7 @@
     </p:spTree>
     <p:extLst>
       <p:ext uri="{BB962C8B-B14F-4D97-AF65-F5344CB8AC3E}">
-        <p14:creationId xmlns:p14="http://schemas.microsoft.com/office/powerpoint/2010/main" val="2502731765"/>
+        <p14:creationId xmlns:p14="http://schemas.microsoft.com/office/powerpoint/2010/main" val="2101398625"/>
       </p:ext>
     </p:extLst>
   </p:cSld>
@@ -3658,42 +3814,54 @@
           <a:lstStyle/>
           <a:p>
             <a:r>
-              <a:rPr lang="en-GB" sz="6000" dirty="0">
-                <a:solidFill>
-                  <a:schemeClr val="bg1"/>
-                </a:solidFill>
-              </a:rPr>
-              <a:t>You give and take away</a:t>
-            </a:r>
-          </a:p>
-          <a:p>
-            <a:r>
-              <a:rPr lang="en-GB" sz="6000" dirty="0">
-                <a:solidFill>
-                  <a:schemeClr val="bg1"/>
-                </a:solidFill>
-              </a:rPr>
-              <a:t>You give and take away</a:t>
-            </a:r>
-          </a:p>
-          <a:p>
-            <a:r>
-              <a:rPr lang="en-GB" sz="6000" dirty="0">
-                <a:solidFill>
-                  <a:schemeClr val="bg1"/>
-                </a:solidFill>
-              </a:rPr>
-              <a:t>My heart will choose to say</a:t>
-            </a:r>
-          </a:p>
-          <a:p>
-            <a:r>
-              <a:rPr lang="en-GB" sz="6000" dirty="0">
-                <a:solidFill>
-                  <a:schemeClr val="bg1"/>
-                </a:solidFill>
-              </a:rPr>
-              <a:t>Lord blessed be Your name</a:t>
+              <a:rPr lang="en-GB" sz="5400" dirty="0">
+                <a:solidFill>
+                  <a:schemeClr val="bg1"/>
+                </a:solidFill>
+              </a:rPr>
+              <a:t>And if Our God is for us, </a:t>
+            </a:r>
+          </a:p>
+          <a:p>
+            <a:r>
+              <a:rPr lang="en-GB" sz="5400" dirty="0">
+                <a:solidFill>
+                  <a:schemeClr val="bg1"/>
+                </a:solidFill>
+              </a:rPr>
+              <a:t>Then who could ever stop us?</a:t>
+            </a:r>
+            <a:br>
+              <a:rPr lang="en-GB" sz="5400" dirty="0">
+                <a:solidFill>
+                  <a:schemeClr val="bg1"/>
+                </a:solidFill>
+              </a:rPr>
+            </a:br>
+            <a:br>
+              <a:rPr lang="en-GB" sz="5400" dirty="0">
+                <a:solidFill>
+                  <a:schemeClr val="bg1"/>
+                </a:solidFill>
+              </a:rPr>
+            </a:br>
+            <a:r>
+              <a:rPr lang="en-GB" sz="5400" dirty="0">
+                <a:solidFill>
+                  <a:schemeClr val="bg1"/>
+                </a:solidFill>
+              </a:rPr>
+              <a:t>And if our God is with us, </a:t>
+            </a:r>
+          </a:p>
+          <a:p>
+            <a:r>
+              <a:rPr lang="en-GB" sz="5400" dirty="0">
+                <a:solidFill>
+                  <a:schemeClr val="bg1"/>
+                </a:solidFill>
+              </a:rPr>
+              <a:t>Then what can stand against? </a:t>
             </a:r>
           </a:p>
         </p:txBody>
@@ -3726,7 +3894,7 @@
                   <a:schemeClr val="bg1"/>
                 </a:solidFill>
               </a:rPr>
-              <a:t>7/7</a:t>
+              <a:t>3/3</a:t>
             </a:r>
           </a:p>
         </p:txBody>
@@ -3734,7 +3902,7 @@
     </p:spTree>
     <p:extLst>
       <p:ext uri="{BB962C8B-B14F-4D97-AF65-F5344CB8AC3E}">
-        <p14:creationId xmlns:p14="http://schemas.microsoft.com/office/powerpoint/2010/main" val="1594116931"/>
+        <p14:creationId xmlns:p14="http://schemas.microsoft.com/office/powerpoint/2010/main" val="1279998966"/>
       </p:ext>
     </p:extLst>
   </p:cSld>
@@ -3914,7 +4082,7 @@
                   <a:schemeClr val="bg1"/>
                 </a:solidFill>
               </a:rPr>
-              <a:t>Remember redemption's hill</a:t>
+              <a:t>Remember </a:t>
             </a:r>
           </a:p>
           <a:p>
@@ -3924,6 +4092,16 @@
                   <a:schemeClr val="bg1"/>
                 </a:solidFill>
               </a:rPr>
+              <a:t>Redemption's hill</a:t>
+            </a:r>
+          </a:p>
+          <a:p>
+            <a:r>
+              <a:rPr lang="en-GB" sz="4800" dirty="0">
+                <a:solidFill>
+                  <a:schemeClr val="bg1"/>
+                </a:solidFill>
+              </a:rPr>
               <a:t>Where Your blood was spilled</a:t>
             </a:r>
           </a:p>
@@ -3936,13 +4114,6 @@
               </a:rPr>
               <a:t>For my ransom</a:t>
             </a:r>
-          </a:p>
-          <a:p>
-            <a:endParaRPr lang="en-GB" sz="4800" dirty="0">
-              <a:solidFill>
-                <a:schemeClr val="bg1"/>
-              </a:solidFill>
-            </a:endParaRPr>
           </a:p>
           <a:p>
             <a:r>
@@ -4065,7 +4236,7 @@
                   <a:schemeClr val="bg1"/>
                 </a:solidFill>
               </a:rPr>
-              <a:t>You were as I tempted and tried human</a:t>
+              <a:t>Lead me to the cross</a:t>
             </a:r>
           </a:p>
           <a:p>
@@ -4075,7 +4246,7 @@
                   <a:schemeClr val="bg1"/>
                 </a:solidFill>
               </a:rPr>
-              <a:t>The word became flesh</a:t>
+              <a:t>Where Your love poured out</a:t>
             </a:r>
           </a:p>
           <a:p>
@@ -4085,7 +4256,7 @@
                   <a:schemeClr val="bg1"/>
                 </a:solidFill>
               </a:rPr>
-              <a:t>Bore my sin in death</a:t>
+              <a:t>Bring me to my knees</a:t>
             </a:r>
           </a:p>
           <a:p>
@@ -4095,55 +4266,38 @@
                   <a:schemeClr val="bg1"/>
                 </a:solidFill>
               </a:rPr>
-              <a:t>Now You're risen</a:t>
-            </a:r>
-            <a:br>
+              <a:t>Lord I lay me down</a:t>
+            </a:r>
+          </a:p>
+          <a:p>
+            <a:r>
               <a:rPr lang="en-GB" sz="4800" dirty="0">
                 <a:solidFill>
                   <a:schemeClr val="bg1"/>
                 </a:solidFill>
               </a:rPr>
-            </a:br>
-            <a:br>
+              <a:t>Rid me of myself</a:t>
+            </a:r>
+          </a:p>
+          <a:p>
+            <a:r>
               <a:rPr lang="en-GB" sz="4800" dirty="0">
                 <a:solidFill>
                   <a:schemeClr val="bg1"/>
                 </a:solidFill>
               </a:rPr>
-            </a:br>
-            <a:r>
-              <a:rPr lang="en-GB" sz="4800" dirty="0" err="1">
-                <a:solidFill>
-                  <a:schemeClr val="bg1"/>
-                </a:solidFill>
-              </a:rPr>
-              <a:t>Ev’rything</a:t>
-            </a:r>
+              <a:t>I belong to You</a:t>
+            </a:r>
+          </a:p>
+          <a:p>
             <a:r>
               <a:rPr lang="en-GB" sz="4800" dirty="0">
                 <a:solidFill>
                   <a:schemeClr val="bg1"/>
                 </a:solidFill>
               </a:rPr>
-              <a:t> I once held dear</a:t>
-            </a:r>
-          </a:p>
-          <a:p>
-            <a:r>
-              <a:rPr lang="en-GB" sz="4800" dirty="0">
-                <a:solidFill>
-                  <a:schemeClr val="bg1"/>
-                </a:solidFill>
-              </a:rPr>
-              <a:t>I count it all as loss</a:t>
-            </a:r>
-          </a:p>
-          <a:p>
-            <a:endParaRPr lang="en-GB" sz="4800" dirty="0">
-              <a:solidFill>
-                <a:schemeClr val="bg1"/>
-              </a:solidFill>
-            </a:endParaRPr>
+              <a:t>Oh lead me lead me to the cross</a:t>
+            </a:r>
           </a:p>
         </p:txBody>
       </p:sp>
@@ -4183,7 +4337,7 @@
     </p:spTree>
     <p:extLst>
       <p:ext uri="{BB962C8B-B14F-4D97-AF65-F5344CB8AC3E}">
-        <p14:creationId xmlns:p14="http://schemas.microsoft.com/office/powerpoint/2010/main" val="531801031"/>
+        <p14:creationId xmlns:p14="http://schemas.microsoft.com/office/powerpoint/2010/main" val="740228895"/>
       </p:ext>
     </p:extLst>
   </p:cSld>
@@ -4238,7 +4392,7 @@
                   <a:schemeClr val="bg1"/>
                 </a:solidFill>
               </a:rPr>
-              <a:t>To Your heart</a:t>
+              <a:t>You were as I tempted and tried Human</a:t>
             </a:r>
           </a:p>
           <a:p>
@@ -4248,7 +4402,7 @@
                   <a:schemeClr val="bg1"/>
                 </a:solidFill>
               </a:rPr>
-              <a:t>To Your heart</a:t>
+              <a:t>The word became flesh</a:t>
             </a:r>
           </a:p>
           <a:p>
@@ -4258,7 +4412,7 @@
                   <a:schemeClr val="bg1"/>
                 </a:solidFill>
               </a:rPr>
-              <a:t>Lead me to Your heart</a:t>
+              <a:t>Bore my sin in death</a:t>
             </a:r>
           </a:p>
           <a:p>
@@ -4268,8 +4422,55 @@
                   <a:schemeClr val="bg1"/>
                 </a:solidFill>
               </a:rPr>
-              <a:t>Lead me to Your heart</a:t>
-            </a:r>
+              <a:t>Now You're risen</a:t>
+            </a:r>
+            <a:br>
+              <a:rPr lang="en-GB" sz="4800" dirty="0">
+                <a:solidFill>
+                  <a:schemeClr val="bg1"/>
+                </a:solidFill>
+              </a:rPr>
+            </a:br>
+            <a:br>
+              <a:rPr lang="en-GB" sz="4800" dirty="0">
+                <a:solidFill>
+                  <a:schemeClr val="bg1"/>
+                </a:solidFill>
+              </a:rPr>
+            </a:br>
+            <a:r>
+              <a:rPr lang="en-GB" sz="4800" dirty="0" err="1">
+                <a:solidFill>
+                  <a:schemeClr val="bg1"/>
+                </a:solidFill>
+              </a:rPr>
+              <a:t>Ev’rything</a:t>
+            </a:r>
+            <a:r>
+              <a:rPr lang="en-GB" sz="4800" dirty="0">
+                <a:solidFill>
+                  <a:schemeClr val="bg1"/>
+                </a:solidFill>
+              </a:rPr>
+              <a:t> I once held dear</a:t>
+            </a:r>
+          </a:p>
+          <a:p>
+            <a:r>
+              <a:rPr lang="en-GB" sz="4800" dirty="0">
+                <a:solidFill>
+                  <a:schemeClr val="bg1"/>
+                </a:solidFill>
+              </a:rPr>
+              <a:t>I count it all as loss</a:t>
+            </a:r>
+          </a:p>
+          <a:p>
+            <a:endParaRPr lang="en-GB" sz="4800" dirty="0">
+              <a:solidFill>
+                <a:schemeClr val="bg1"/>
+              </a:solidFill>
+            </a:endParaRPr>
           </a:p>
         </p:txBody>
       </p:sp>
@@ -4301,7 +4502,7 @@
                   <a:schemeClr val="bg1"/>
                 </a:solidFill>
               </a:rPr>
-              <a:t>3/3</a:t>
+              <a:t>3/4</a:t>
             </a:r>
           </a:p>
         </p:txBody>
@@ -4309,7 +4510,7 @@
     </p:spTree>
     <p:extLst>
       <p:ext uri="{BB962C8B-B14F-4D97-AF65-F5344CB8AC3E}">
-        <p14:creationId xmlns:p14="http://schemas.microsoft.com/office/powerpoint/2010/main" val="3521963955"/>
+        <p14:creationId xmlns:p14="http://schemas.microsoft.com/office/powerpoint/2010/main" val="531801031"/>
       </p:ext>
     </p:extLst>
   </p:cSld>
@@ -4358,176 +4559,86 @@
           </a:bodyPr>
           <a:lstStyle/>
           <a:p>
-            <a:br>
-              <a:rPr lang="en-GB" sz="9600" dirty="0">
-                <a:solidFill>
-                  <a:schemeClr val="bg1"/>
-                </a:solidFill>
-              </a:rPr>
-            </a:br>
-            <a:r>
-              <a:rPr lang="en-GB" sz="9600" dirty="0">
-                <a:solidFill>
-                  <a:schemeClr val="bg1"/>
-                </a:solidFill>
-              </a:rPr>
-              <a:t>Cornerstone</a:t>
-            </a:r>
-            <a:br>
-              <a:rPr lang="en-GB" sz="9600" dirty="0">
-                <a:solidFill>
-                  <a:schemeClr val="bg1"/>
-                </a:solidFill>
-              </a:rPr>
-            </a:br>
-            <a:endParaRPr lang="en-GB" sz="1200" dirty="0">
-              <a:solidFill>
-                <a:schemeClr val="bg1"/>
-              </a:solidFill>
-            </a:endParaRPr>
-          </a:p>
-          <a:p>
-            <a:r>
-              <a:rPr lang="en-GB" sz="1200" dirty="0">
-                <a:solidFill>
-                  <a:schemeClr val="bg1"/>
-                </a:solidFill>
-              </a:rPr>
-              <a:t>CCLI Song # 6158927</a:t>
-            </a:r>
-          </a:p>
-          <a:p>
-            <a:endParaRPr lang="en-GB" sz="1200" dirty="0">
-              <a:solidFill>
-                <a:schemeClr val="bg1"/>
-              </a:solidFill>
-            </a:endParaRPr>
-          </a:p>
-          <a:p>
-            <a:r>
-              <a:rPr lang="en-GB" sz="1200" dirty="0">
-                <a:solidFill>
-                  <a:schemeClr val="bg1"/>
-                </a:solidFill>
-              </a:rPr>
-              <a:t>Edward Mote | Eric </a:t>
-            </a:r>
-            <a:r>
-              <a:rPr lang="en-GB" sz="1200" dirty="0" err="1">
-                <a:solidFill>
-                  <a:schemeClr val="bg1"/>
-                </a:solidFill>
-              </a:rPr>
-              <a:t>Liljero</a:t>
-            </a:r>
-            <a:r>
-              <a:rPr lang="en-GB" sz="1200" dirty="0">
-                <a:solidFill>
-                  <a:schemeClr val="bg1"/>
-                </a:solidFill>
-              </a:rPr>
-              <a:t> | Jonas </a:t>
-            </a:r>
-            <a:r>
-              <a:rPr lang="en-GB" sz="1200" dirty="0" err="1">
-                <a:solidFill>
-                  <a:schemeClr val="bg1"/>
-                </a:solidFill>
-              </a:rPr>
-              <a:t>Myrin</a:t>
-            </a:r>
-            <a:r>
-              <a:rPr lang="en-GB" sz="1200" dirty="0">
-                <a:solidFill>
-                  <a:schemeClr val="bg1"/>
-                </a:solidFill>
-              </a:rPr>
-              <a:t> | Reuben Morgan | William Batchelder Bradbury</a:t>
-            </a:r>
-          </a:p>
-          <a:p>
-            <a:endParaRPr lang="en-GB" sz="1200" dirty="0">
-              <a:solidFill>
-                <a:schemeClr val="bg1"/>
-              </a:solidFill>
-            </a:endParaRPr>
-          </a:p>
-          <a:p>
-            <a:r>
-              <a:rPr lang="en-GB" sz="1200" dirty="0">
-                <a:solidFill>
-                  <a:schemeClr val="bg1"/>
-                </a:solidFill>
-              </a:rPr>
-              <a:t>© 2011 Hillsong MP Songs (Admin. by Hillsong Music Publishing UK)</a:t>
-            </a:r>
-          </a:p>
-          <a:p>
-            <a:r>
-              <a:rPr lang="en-GB" sz="1200" dirty="0">
-                <a:solidFill>
-                  <a:schemeClr val="bg1"/>
-                </a:solidFill>
-              </a:rPr>
-              <a:t>Hillsong Music Publishing Australia (Admin. by Hillsong Music Publishing UK)</a:t>
-            </a:r>
-          </a:p>
-          <a:p>
-            <a:r>
-              <a:rPr lang="en-GB" sz="1200" dirty="0">
-                <a:solidFill>
-                  <a:schemeClr val="bg1"/>
-                </a:solidFill>
-              </a:rPr>
-              <a:t>Hillsong Music Publishing UK</a:t>
-            </a:r>
-          </a:p>
-          <a:p>
-            <a:r>
-              <a:rPr lang="en-GB" sz="1200" dirty="0">
-                <a:solidFill>
-                  <a:schemeClr val="bg1"/>
-                </a:solidFill>
-              </a:rPr>
-              <a:t>For use solely with the </a:t>
-            </a:r>
-            <a:r>
-              <a:rPr lang="en-GB" sz="1200" dirty="0" err="1">
-                <a:solidFill>
-                  <a:schemeClr val="bg1"/>
-                </a:solidFill>
-              </a:rPr>
-              <a:t>SongSelect</a:t>
-            </a:r>
-            <a:r>
-              <a:rPr lang="en-GB" sz="1200" dirty="0">
-                <a:solidFill>
-                  <a:schemeClr val="bg1"/>
-                </a:solidFill>
-              </a:rPr>
-              <a:t>® Terms of Use. All rights reserved. www.ccli.com</a:t>
-            </a:r>
-          </a:p>
-          <a:p>
-            <a:endParaRPr lang="en-GB" sz="1200" dirty="0">
-              <a:solidFill>
-                <a:schemeClr val="bg1"/>
-              </a:solidFill>
-            </a:endParaRPr>
-          </a:p>
-          <a:p>
-            <a:r>
-              <a:rPr lang="en-GB" sz="1200" dirty="0">
-                <a:solidFill>
-                  <a:schemeClr val="bg1"/>
-                </a:solidFill>
-              </a:rPr>
-              <a:t>CCLI Licence No. 33265</a:t>
+            <a:r>
+              <a:rPr lang="en-GB" sz="4800" dirty="0">
+                <a:solidFill>
+                  <a:schemeClr val="bg1"/>
+                </a:solidFill>
+              </a:rPr>
+              <a:t>To Your heart</a:t>
+            </a:r>
+          </a:p>
+          <a:p>
+            <a:r>
+              <a:rPr lang="en-GB" sz="4800" dirty="0">
+                <a:solidFill>
+                  <a:schemeClr val="bg1"/>
+                </a:solidFill>
+              </a:rPr>
+              <a:t>To Your heart</a:t>
+            </a:r>
+          </a:p>
+          <a:p>
+            <a:r>
+              <a:rPr lang="en-GB" sz="4800" dirty="0">
+                <a:solidFill>
+                  <a:schemeClr val="bg1"/>
+                </a:solidFill>
+              </a:rPr>
+              <a:t>Lead me to Your heart</a:t>
+            </a:r>
+          </a:p>
+          <a:p>
+            <a:r>
+              <a:rPr lang="en-GB" sz="4800" dirty="0">
+                <a:solidFill>
+                  <a:schemeClr val="bg1"/>
+                </a:solidFill>
+              </a:rPr>
+              <a:t>Lead me to Your heart</a:t>
+            </a:r>
+          </a:p>
+        </p:txBody>
+      </p:sp>
+      <p:sp>
+        <p:nvSpPr>
+          <p:cNvPr id="4" name="TextBox 3"/>
+          <p:cNvSpPr txBox="1"/>
+          <p:nvPr/>
+        </p:nvSpPr>
+        <p:spPr>
+          <a:xfrm>
+            <a:off x="8529729" y="0"/>
+            <a:ext cx="628698" cy="461665"/>
+          </a:xfrm>
+          <a:prstGeom prst="rect">
+            <a:avLst/>
+          </a:prstGeom>
+          <a:noFill/>
+        </p:spPr>
+        <p:txBody>
+          <a:bodyPr wrap="none" rtlCol="0">
+            <a:spAutoFit/>
+          </a:bodyPr>
+          <a:lstStyle/>
+          <a:p>
+            <a:r>
+              <a:rPr lang="en-GB" sz="2400" b="1" dirty="0">
+                <a:solidFill>
+                  <a:schemeClr val="bg1"/>
+                </a:solidFill>
+              </a:rPr>
+              <a:t>4/4</a:t>
             </a:r>
           </a:p>
         </p:txBody>
       </p:sp>
     </p:spTree>
+    <p:extLst>
+      <p:ext uri="{BB962C8B-B14F-4D97-AF65-F5344CB8AC3E}">
+        <p14:creationId xmlns:p14="http://schemas.microsoft.com/office/powerpoint/2010/main" val="3521963955"/>
+      </p:ext>
+    </p:extLst>
   </p:cSld>
   <p:clrMapOvr>
     <a:masterClrMapping/>
@@ -4574,86 +4685,176 @@
           </a:bodyPr>
           <a:lstStyle/>
           <a:p>
-            <a:r>
-              <a:rPr lang="en-GB" sz="5000" dirty="0">
-                <a:solidFill>
-                  <a:schemeClr val="bg1"/>
-                </a:solidFill>
-              </a:rPr>
-              <a:t>My hope is built on nothing less</a:t>
-            </a:r>
-          </a:p>
-          <a:p>
-            <a:r>
-              <a:rPr lang="en-GB" sz="5000" dirty="0">
-                <a:solidFill>
-                  <a:schemeClr val="bg1"/>
-                </a:solidFill>
-              </a:rPr>
-              <a:t>Than Jesus' blood and righteousness</a:t>
-            </a:r>
-          </a:p>
-          <a:p>
-            <a:r>
-              <a:rPr lang="en-GB" sz="5000" dirty="0">
-                <a:solidFill>
-                  <a:schemeClr val="bg1"/>
-                </a:solidFill>
-              </a:rPr>
-              <a:t>I dare not trust the sweetest frame</a:t>
-            </a:r>
-          </a:p>
-          <a:p>
-            <a:r>
-              <a:rPr lang="en-GB" sz="5000" dirty="0">
-                <a:solidFill>
-                  <a:schemeClr val="bg1"/>
-                </a:solidFill>
-              </a:rPr>
-              <a:t>But wholly trust in Jesus' Name</a:t>
-            </a:r>
-          </a:p>
-        </p:txBody>
-      </p:sp>
-      <p:sp>
-        <p:nvSpPr>
-          <p:cNvPr id="4" name="TextBox 3"/>
-          <p:cNvSpPr txBox="1"/>
-          <p:nvPr/>
-        </p:nvSpPr>
-        <p:spPr>
-          <a:xfrm>
-            <a:off x="8529729" y="0"/>
-            <a:ext cx="628698" cy="461665"/>
-          </a:xfrm>
-          <a:prstGeom prst="rect">
-            <a:avLst/>
-          </a:prstGeom>
-          <a:noFill/>
-        </p:spPr>
-        <p:txBody>
-          <a:bodyPr wrap="none" rtlCol="0">
-            <a:spAutoFit/>
-          </a:bodyPr>
-          <a:lstStyle/>
-          <a:p>
-            <a:r>
-              <a:rPr lang="en-GB" sz="2400" b="1" dirty="0">
-                <a:solidFill>
-                  <a:schemeClr val="bg1"/>
-                </a:solidFill>
-              </a:rPr>
-              <a:t>1/4</a:t>
+            <a:br>
+              <a:rPr lang="en-GB" sz="9600" dirty="0">
+                <a:solidFill>
+                  <a:schemeClr val="bg1"/>
+                </a:solidFill>
+              </a:rPr>
+            </a:br>
+            <a:r>
+              <a:rPr lang="en-GB" sz="9600" dirty="0">
+                <a:solidFill>
+                  <a:schemeClr val="bg1"/>
+                </a:solidFill>
+              </a:rPr>
+              <a:t>Cornerstone</a:t>
+            </a:r>
+            <a:br>
+              <a:rPr lang="en-GB" sz="9600" dirty="0">
+                <a:solidFill>
+                  <a:schemeClr val="bg1"/>
+                </a:solidFill>
+              </a:rPr>
+            </a:br>
+            <a:endParaRPr lang="en-GB" sz="1200" dirty="0">
+              <a:solidFill>
+                <a:schemeClr val="bg1"/>
+              </a:solidFill>
+            </a:endParaRPr>
+          </a:p>
+          <a:p>
+            <a:r>
+              <a:rPr lang="en-GB" sz="1200" dirty="0">
+                <a:solidFill>
+                  <a:schemeClr val="bg1"/>
+                </a:solidFill>
+              </a:rPr>
+              <a:t>CCLI Song # 6158927</a:t>
+            </a:r>
+          </a:p>
+          <a:p>
+            <a:endParaRPr lang="en-GB" sz="1200" dirty="0">
+              <a:solidFill>
+                <a:schemeClr val="bg1"/>
+              </a:solidFill>
+            </a:endParaRPr>
+          </a:p>
+          <a:p>
+            <a:r>
+              <a:rPr lang="en-GB" sz="1200" dirty="0">
+                <a:solidFill>
+                  <a:schemeClr val="bg1"/>
+                </a:solidFill>
+              </a:rPr>
+              <a:t>Edward Mote | Eric </a:t>
+            </a:r>
+            <a:r>
+              <a:rPr lang="en-GB" sz="1200" dirty="0" err="1">
+                <a:solidFill>
+                  <a:schemeClr val="bg1"/>
+                </a:solidFill>
+              </a:rPr>
+              <a:t>Liljero</a:t>
+            </a:r>
+            <a:r>
+              <a:rPr lang="en-GB" sz="1200" dirty="0">
+                <a:solidFill>
+                  <a:schemeClr val="bg1"/>
+                </a:solidFill>
+              </a:rPr>
+              <a:t> | Jonas </a:t>
+            </a:r>
+            <a:r>
+              <a:rPr lang="en-GB" sz="1200" dirty="0" err="1">
+                <a:solidFill>
+                  <a:schemeClr val="bg1"/>
+                </a:solidFill>
+              </a:rPr>
+              <a:t>Myrin</a:t>
+            </a:r>
+            <a:r>
+              <a:rPr lang="en-GB" sz="1200" dirty="0">
+                <a:solidFill>
+                  <a:schemeClr val="bg1"/>
+                </a:solidFill>
+              </a:rPr>
+              <a:t> | Reuben Morgan | William Batchelder Bradbury</a:t>
+            </a:r>
+          </a:p>
+          <a:p>
+            <a:endParaRPr lang="en-GB" sz="1200" dirty="0">
+              <a:solidFill>
+                <a:schemeClr val="bg1"/>
+              </a:solidFill>
+            </a:endParaRPr>
+          </a:p>
+          <a:p>
+            <a:r>
+              <a:rPr lang="en-GB" sz="1200" dirty="0">
+                <a:solidFill>
+                  <a:schemeClr val="bg1"/>
+                </a:solidFill>
+              </a:rPr>
+              <a:t>© 2011 Hillsong MP Songs (Admin. by Hillsong Music Publishing UK)</a:t>
+            </a:r>
+          </a:p>
+          <a:p>
+            <a:r>
+              <a:rPr lang="en-GB" sz="1200" dirty="0">
+                <a:solidFill>
+                  <a:schemeClr val="bg1"/>
+                </a:solidFill>
+              </a:rPr>
+              <a:t>Hillsong Music Publishing Australia (Admin. by Hillsong Music Publishing UK)</a:t>
+            </a:r>
+          </a:p>
+          <a:p>
+            <a:r>
+              <a:rPr lang="en-GB" sz="1200" dirty="0">
+                <a:solidFill>
+                  <a:schemeClr val="bg1"/>
+                </a:solidFill>
+              </a:rPr>
+              <a:t>Hillsong Music Publishing UK</a:t>
+            </a:r>
+          </a:p>
+          <a:p>
+            <a:r>
+              <a:rPr lang="en-GB" sz="1200" dirty="0">
+                <a:solidFill>
+                  <a:schemeClr val="bg1"/>
+                </a:solidFill>
+              </a:rPr>
+              <a:t>For use solely with the </a:t>
+            </a:r>
+            <a:r>
+              <a:rPr lang="en-GB" sz="1200" dirty="0" err="1">
+                <a:solidFill>
+                  <a:schemeClr val="bg1"/>
+                </a:solidFill>
+              </a:rPr>
+              <a:t>SongSelect</a:t>
+            </a:r>
+            <a:r>
+              <a:rPr lang="en-GB" sz="1200" dirty="0">
+                <a:solidFill>
+                  <a:schemeClr val="bg1"/>
+                </a:solidFill>
+              </a:rPr>
+              <a:t>® Terms of Use. All rights reserved. www.ccli.com</a:t>
+            </a:r>
+          </a:p>
+          <a:p>
+            <a:endParaRPr lang="en-GB" sz="1200" dirty="0">
+              <a:solidFill>
+                <a:schemeClr val="bg1"/>
+              </a:solidFill>
+            </a:endParaRPr>
+          </a:p>
+          <a:p>
+            <a:r>
+              <a:rPr lang="en-GB" sz="1200" dirty="0">
+                <a:solidFill>
+                  <a:schemeClr val="bg1"/>
+                </a:solidFill>
+              </a:rPr>
+              <a:t>CCLI Licence No. 33265</a:t>
             </a:r>
           </a:p>
         </p:txBody>
       </p:sp>
     </p:spTree>
-    <p:extLst>
-      <p:ext uri="{BB962C8B-B14F-4D97-AF65-F5344CB8AC3E}">
-        <p14:creationId xmlns:p14="http://schemas.microsoft.com/office/powerpoint/2010/main" val="620815745"/>
-      </p:ext>
-    </p:extLst>
   </p:cSld>
   <p:clrMapOvr>
     <a:masterClrMapping/>
@@ -4700,118 +4901,114 @@
           </a:bodyPr>
           <a:lstStyle/>
           <a:p>
-            <a:endParaRPr lang="en-GB" sz="9600" dirty="0"/>
-          </a:p>
-          <a:p>
-            <a:r>
-              <a:rPr lang="en-GB" sz="9600" dirty="0">
-                <a:solidFill>
-                  <a:schemeClr val="bg1"/>
-                </a:solidFill>
-              </a:rPr>
-              <a:t>Our God</a:t>
-            </a:r>
-          </a:p>
-          <a:p>
-            <a:r>
-              <a:rPr lang="en-GB" sz="1200" dirty="0"/>
-              <a:t> CCLI Song # 5677416</a:t>
-            </a:r>
-          </a:p>
-          <a:p>
-            <a:r>
-              <a:rPr lang="en-GB" sz="1200" dirty="0"/>
-              <a:t>Chris Tomlin | Jesse Reeves | Jonas </a:t>
-            </a:r>
-            <a:r>
-              <a:rPr lang="en-GB" sz="1200" dirty="0" err="1"/>
-              <a:t>Myrin</a:t>
-            </a:r>
-            <a:r>
-              <a:rPr lang="en-GB" sz="1200" dirty="0"/>
-              <a:t> | Matt Redman</a:t>
-            </a:r>
-          </a:p>
-          <a:p>
-            <a:r>
-              <a:rPr lang="en-GB" sz="1200" dirty="0"/>
-              <a:t>© 2010 </a:t>
-            </a:r>
-            <a:r>
-              <a:rPr lang="en-GB" sz="1200" dirty="0" err="1"/>
-              <a:t>sixsteps</a:t>
-            </a:r>
-            <a:r>
-              <a:rPr lang="en-GB" sz="1200" dirty="0"/>
-              <a:t> Music (Admin. by Integrity Music)</a:t>
-            </a:r>
-          </a:p>
-          <a:p>
-            <a:r>
-              <a:rPr lang="en-GB" sz="1200" dirty="0" err="1"/>
-              <a:t>Thankyou</a:t>
-            </a:r>
-            <a:r>
-              <a:rPr lang="en-GB" sz="1200" dirty="0"/>
-              <a:t> Music (Admin. by Integrity Music)</a:t>
-            </a:r>
-          </a:p>
-          <a:p>
-            <a:r>
-              <a:rPr lang="en-GB" sz="1200" dirty="0" err="1"/>
-              <a:t>Vamos</a:t>
-            </a:r>
-            <a:r>
-              <a:rPr lang="en-GB" sz="1200" dirty="0"/>
-              <a:t> Publishing (Admin. by Integrity Music)</a:t>
-            </a:r>
-          </a:p>
-          <a:p>
-            <a:r>
-              <a:rPr lang="en-GB" sz="1200" dirty="0"/>
-              <a:t>worshiptogether.com songs (Admin. by Integrity Music)</a:t>
-            </a:r>
-          </a:p>
-          <a:p>
-            <a:r>
-              <a:rPr lang="en-GB" sz="1200" dirty="0"/>
-              <a:t>Atlas Mountain Songs (Admin. by SHOUT! Music Publishing UK)</a:t>
-            </a:r>
-          </a:p>
-          <a:p>
-            <a:r>
-              <a:rPr lang="en-GB" sz="1200" i="1" dirty="0"/>
+            <a:endParaRPr lang="en-GB" sz="5400" dirty="0">
+              <a:solidFill>
+                <a:schemeClr val="bg1"/>
+              </a:solidFill>
+            </a:endParaRPr>
+          </a:p>
+          <a:p>
+            <a:r>
+              <a:rPr lang="en-GB" sz="6600" dirty="0">
+                <a:solidFill>
+                  <a:srgbClr val="00A3E0"/>
+                </a:solidFill>
+                <a:latin typeface="akagi_probook"/>
+              </a:rPr>
+              <a:t>Blessed Be Your Name</a:t>
+            </a:r>
+            <a:endParaRPr lang="en-GB" sz="6600" b="0" i="0" dirty="0">
+              <a:solidFill>
+                <a:srgbClr val="00A3E0"/>
+              </a:solidFill>
+              <a:effectLst/>
+              <a:latin typeface="akagi_probook"/>
+            </a:endParaRPr>
+          </a:p>
+          <a:p>
+            <a:r>
+              <a:rPr lang="en-GB" sz="1200" dirty="0">
+                <a:solidFill>
+                  <a:schemeClr val="bg1"/>
+                </a:solidFill>
+              </a:rPr>
+              <a:t>CCLI Song # 3798438</a:t>
+            </a:r>
+          </a:p>
+          <a:p>
+            <a:endParaRPr lang="en-GB" sz="1200" dirty="0">
+              <a:solidFill>
+                <a:schemeClr val="bg1"/>
+              </a:solidFill>
+            </a:endParaRPr>
+          </a:p>
+          <a:p>
+            <a:r>
+              <a:rPr lang="en-GB" sz="1200" dirty="0">
+                <a:solidFill>
+                  <a:schemeClr val="bg1"/>
+                </a:solidFill>
+              </a:rPr>
+              <a:t>Beth Redman | Matt Redman</a:t>
+            </a:r>
+          </a:p>
+          <a:p>
+            <a:endParaRPr lang="en-GB" sz="1200" dirty="0">
+              <a:solidFill>
+                <a:schemeClr val="bg1"/>
+              </a:solidFill>
+            </a:endParaRPr>
+          </a:p>
+          <a:p>
+            <a:r>
+              <a:rPr lang="en-GB" sz="1200" dirty="0">
+                <a:solidFill>
+                  <a:schemeClr val="bg1"/>
+                </a:solidFill>
+              </a:rPr>
+              <a:t>© 2002 Thankyou Music (Admin. by Integrity Music Ltd)</a:t>
+            </a:r>
+          </a:p>
+          <a:p>
+            <a:r>
+              <a:rPr lang="en-GB" sz="1200" dirty="0">
+                <a:solidFill>
+                  <a:schemeClr val="bg1"/>
+                </a:solidFill>
+              </a:rPr>
               <a:t>For use solely with the </a:t>
             </a:r>
             <a:r>
-              <a:rPr lang="en-GB" sz="1200" i="1" dirty="0" err="1"/>
+              <a:rPr lang="en-GB" sz="1200" dirty="0" err="1">
+                <a:solidFill>
+                  <a:schemeClr val="bg1"/>
+                </a:solidFill>
+              </a:rPr>
               <a:t>SongSelect</a:t>
             </a:r>
             <a:r>
-              <a:rPr lang="en-GB" sz="1200" i="1" dirty="0"/>
-              <a:t>® </a:t>
-            </a:r>
-            <a:r>
-              <a:rPr lang="en-GB" sz="1200" i="1" dirty="0">
-                <a:hlinkClick r:id="rId2"/>
-              </a:rPr>
-              <a:t>Terms of Use</a:t>
-            </a:r>
-            <a:r>
-              <a:rPr lang="en-GB" sz="1200" i="1" dirty="0"/>
-              <a:t>. All rights reserved. </a:t>
-            </a:r>
-            <a:r>
-              <a:rPr lang="en-GB" sz="1200" i="1" dirty="0">
-                <a:hlinkClick r:id="rId3"/>
-              </a:rPr>
-              <a:t>www.ccli.com</a:t>
-            </a:r>
-            <a:endParaRPr lang="en-GB" sz="1200" i="1" dirty="0"/>
-          </a:p>
-          <a:p>
-            <a:r>
-              <a:rPr lang="en-GB" sz="1200" dirty="0"/>
+              <a:rPr lang="en-GB" sz="1200" dirty="0">
+                <a:solidFill>
+                  <a:schemeClr val="bg1"/>
+                </a:solidFill>
+              </a:rPr>
+              <a:t>® Terms of Use. All rights reserved. www.ccli.com</a:t>
+            </a:r>
+          </a:p>
+          <a:p>
+            <a:endParaRPr lang="en-GB" sz="1200" dirty="0">
+              <a:solidFill>
+                <a:schemeClr val="bg1"/>
+              </a:solidFill>
+            </a:endParaRPr>
+          </a:p>
+          <a:p>
+            <a:r>
+              <a:rPr lang="en-GB" sz="1200" dirty="0">
+                <a:solidFill>
+                  <a:schemeClr val="bg1"/>
+                </a:solidFill>
+              </a:rPr>
               <a:t>CCLI Licence No. 33265</a:t>
             </a:r>
           </a:p>
@@ -4820,7 +5017,7 @@
     </p:spTree>
     <p:extLst>
       <p:ext uri="{BB962C8B-B14F-4D97-AF65-F5344CB8AC3E}">
-        <p14:creationId xmlns:p14="http://schemas.microsoft.com/office/powerpoint/2010/main" val="2092879566"/>
+        <p14:creationId xmlns:p14="http://schemas.microsoft.com/office/powerpoint/2010/main" val="260502907"/>
       </p:ext>
     </p:extLst>
   </p:cSld>
@@ -4870,42 +5067,42 @@
           <a:lstStyle/>
           <a:p>
             <a:r>
-              <a:rPr lang="en-GB" sz="6000" dirty="0">
-                <a:solidFill>
-                  <a:schemeClr val="bg1"/>
-                </a:solidFill>
-              </a:rPr>
-              <a:t>Christ alone cornerstone</a:t>
-            </a:r>
-          </a:p>
-          <a:p>
-            <a:r>
-              <a:rPr lang="en-GB" sz="6000" dirty="0">
-                <a:solidFill>
-                  <a:schemeClr val="bg1"/>
-                </a:solidFill>
-              </a:rPr>
-              <a:t>Weak made strong in the Saviour's love</a:t>
-            </a:r>
-          </a:p>
-          <a:p>
-            <a:r>
-              <a:rPr lang="en-GB" sz="6000" dirty="0">
-                <a:solidFill>
-                  <a:schemeClr val="bg1"/>
-                </a:solidFill>
-              </a:rPr>
-              <a:t>Through the storm He is Lord</a:t>
-            </a:r>
-          </a:p>
-          <a:p>
-            <a:r>
-              <a:rPr lang="en-GB" sz="6000" dirty="0">
-                <a:solidFill>
-                  <a:schemeClr val="bg1"/>
-                </a:solidFill>
-              </a:rPr>
-              <a:t>Lord of all</a:t>
+              <a:rPr lang="en-GB" sz="5000" dirty="0">
+                <a:solidFill>
+                  <a:schemeClr val="bg1"/>
+                </a:solidFill>
+              </a:rPr>
+              <a:t>My hope is built on nothing less</a:t>
+            </a:r>
+          </a:p>
+          <a:p>
+            <a:r>
+              <a:rPr lang="en-GB" sz="5000" dirty="0">
+                <a:solidFill>
+                  <a:schemeClr val="bg1"/>
+                </a:solidFill>
+              </a:rPr>
+              <a:t>Than Jesus' blood and righteousness</a:t>
+            </a:r>
+          </a:p>
+          <a:p>
+            <a:r>
+              <a:rPr lang="en-GB" sz="5000" dirty="0">
+                <a:solidFill>
+                  <a:schemeClr val="bg1"/>
+                </a:solidFill>
+              </a:rPr>
+              <a:t>I dare not trust the sweetest frame</a:t>
+            </a:r>
+          </a:p>
+          <a:p>
+            <a:r>
+              <a:rPr lang="en-GB" sz="5000" dirty="0">
+                <a:solidFill>
+                  <a:schemeClr val="bg1"/>
+                </a:solidFill>
+              </a:rPr>
+              <a:t>But wholly trust in Jesus' Name</a:t>
             </a:r>
           </a:p>
         </p:txBody>
@@ -4938,7 +5135,7 @@
                   <a:schemeClr val="bg1"/>
                 </a:solidFill>
               </a:rPr>
-              <a:t>2/4</a:t>
+              <a:t>1/4</a:t>
             </a:r>
           </a:p>
         </p:txBody>
@@ -4946,7 +5143,7 @@
     </p:spTree>
     <p:extLst>
       <p:ext uri="{BB962C8B-B14F-4D97-AF65-F5344CB8AC3E}">
-        <p14:creationId xmlns:p14="http://schemas.microsoft.com/office/powerpoint/2010/main" val="2825452348"/>
+        <p14:creationId xmlns:p14="http://schemas.microsoft.com/office/powerpoint/2010/main" val="620815745"/>
       </p:ext>
     </p:extLst>
   </p:cSld>
@@ -4996,52 +5193,42 @@
           <a:lstStyle/>
           <a:p>
             <a:r>
-              <a:rPr lang="en-GB" sz="5000" dirty="0">
-                <a:solidFill>
-                  <a:schemeClr val="bg1"/>
-                </a:solidFill>
-              </a:rPr>
-              <a:t>When darkness seems to hide His face</a:t>
-            </a:r>
-          </a:p>
-          <a:p>
-            <a:r>
-              <a:rPr lang="en-GB" sz="5000" dirty="0">
-                <a:solidFill>
-                  <a:schemeClr val="bg1"/>
-                </a:solidFill>
-              </a:rPr>
-              <a:t>I rest on His unchanging grace</a:t>
-            </a:r>
-          </a:p>
-          <a:p>
-            <a:r>
-              <a:rPr lang="en-GB" sz="5000" dirty="0">
-                <a:solidFill>
-                  <a:schemeClr val="bg1"/>
-                </a:solidFill>
-              </a:rPr>
-              <a:t>In every high and stormy gale</a:t>
-            </a:r>
-          </a:p>
-          <a:p>
-            <a:r>
-              <a:rPr lang="en-GB" sz="5000" dirty="0">
-                <a:solidFill>
-                  <a:schemeClr val="bg1"/>
-                </a:solidFill>
-              </a:rPr>
-              <a:t>My anchor holds within the veil</a:t>
-            </a:r>
-          </a:p>
-          <a:p>
-            <a:r>
-              <a:rPr lang="en-GB" sz="5000" dirty="0">
-                <a:solidFill>
-                  <a:schemeClr val="bg1"/>
-                </a:solidFill>
-              </a:rPr>
-              <a:t>My anchor holds within the veil</a:t>
+              <a:rPr lang="en-GB" sz="6000" dirty="0">
+                <a:solidFill>
+                  <a:schemeClr val="bg1"/>
+                </a:solidFill>
+              </a:rPr>
+              <a:t>Christ alone cornerstone</a:t>
+            </a:r>
+          </a:p>
+          <a:p>
+            <a:r>
+              <a:rPr lang="en-GB" sz="6000" dirty="0">
+                <a:solidFill>
+                  <a:schemeClr val="bg1"/>
+                </a:solidFill>
+              </a:rPr>
+              <a:t>Weak made strong in the Saviour's love</a:t>
+            </a:r>
+          </a:p>
+          <a:p>
+            <a:r>
+              <a:rPr lang="en-GB" sz="6000" dirty="0">
+                <a:solidFill>
+                  <a:schemeClr val="bg1"/>
+                </a:solidFill>
+              </a:rPr>
+              <a:t>Through the storm He is Lord</a:t>
+            </a:r>
+          </a:p>
+          <a:p>
+            <a:r>
+              <a:rPr lang="en-GB" sz="6000" dirty="0">
+                <a:solidFill>
+                  <a:schemeClr val="bg1"/>
+                </a:solidFill>
+              </a:rPr>
+              <a:t>Lord of all</a:t>
             </a:r>
           </a:p>
         </p:txBody>
@@ -5074,7 +5261,7 @@
                   <a:schemeClr val="bg1"/>
                 </a:solidFill>
               </a:rPr>
-              <a:t>3/4</a:t>
+              <a:t>2/4</a:t>
             </a:r>
           </a:p>
         </p:txBody>
@@ -5082,7 +5269,7 @@
     </p:spTree>
     <p:extLst>
       <p:ext uri="{BB962C8B-B14F-4D97-AF65-F5344CB8AC3E}">
-        <p14:creationId xmlns:p14="http://schemas.microsoft.com/office/powerpoint/2010/main" val="2076406861"/>
+        <p14:creationId xmlns:p14="http://schemas.microsoft.com/office/powerpoint/2010/main" val="2825452348"/>
       </p:ext>
     </p:extLst>
   </p:cSld>
@@ -5137,7 +5324,7 @@
                   <a:schemeClr val="bg1"/>
                 </a:solidFill>
               </a:rPr>
-              <a:t>When He shall come with trumpet sound</a:t>
+              <a:t>When darkness seems to hide His face</a:t>
             </a:r>
           </a:p>
           <a:p>
@@ -5147,7 +5334,7 @@
                   <a:schemeClr val="bg1"/>
                 </a:solidFill>
               </a:rPr>
-              <a:t>Oh may I then in Him be found</a:t>
+              <a:t>I rest on His unchanging grace</a:t>
             </a:r>
           </a:p>
           <a:p>
@@ -5157,7 +5344,7 @@
                   <a:schemeClr val="bg1"/>
                 </a:solidFill>
               </a:rPr>
-              <a:t>Dressed in His righteousness alone</a:t>
+              <a:t>In every high and stormy gale</a:t>
             </a:r>
           </a:p>
           <a:p>
@@ -5167,7 +5354,17 @@
                   <a:schemeClr val="bg1"/>
                 </a:solidFill>
               </a:rPr>
-              <a:t>Faultless stand before the throne</a:t>
+              <a:t>My anchor holds within the veil</a:t>
+            </a:r>
+          </a:p>
+          <a:p>
+            <a:r>
+              <a:rPr lang="en-GB" sz="5000" dirty="0">
+                <a:solidFill>
+                  <a:schemeClr val="bg1"/>
+                </a:solidFill>
+              </a:rPr>
+              <a:t>My anchor holds within the veil</a:t>
             </a:r>
           </a:p>
         </p:txBody>
@@ -5200,7 +5397,7 @@
                   <a:schemeClr val="bg1"/>
                 </a:solidFill>
               </a:rPr>
-              <a:t>4/4</a:t>
+              <a:t>3/4</a:t>
             </a:r>
           </a:p>
         </p:txBody>
@@ -5208,7 +5405,7 @@
     </p:spTree>
     <p:extLst>
       <p:ext uri="{BB962C8B-B14F-4D97-AF65-F5344CB8AC3E}">
-        <p14:creationId xmlns:p14="http://schemas.microsoft.com/office/powerpoint/2010/main" val="819122828"/>
+        <p14:creationId xmlns:p14="http://schemas.microsoft.com/office/powerpoint/2010/main" val="2076406861"/>
       </p:ext>
     </p:extLst>
   </p:cSld>
@@ -5257,145 +5454,76 @@
           </a:bodyPr>
           <a:lstStyle/>
           <a:p>
-            <a:endParaRPr lang="en-GB" sz="5400" dirty="0">
-              <a:solidFill>
-                <a:schemeClr val="bg1"/>
-              </a:solidFill>
-            </a:endParaRPr>
-          </a:p>
-          <a:p>
-            <a:r>
-              <a:rPr lang="en-GB" sz="6600" b="0" i="0" dirty="0">
-                <a:solidFill>
-                  <a:srgbClr val="00A3E0"/>
-                </a:solidFill>
-                <a:effectLst/>
-                <a:latin typeface="akagi_probook"/>
-              </a:rPr>
-              <a:t>Turn Your Eyes Upon Jesus</a:t>
-            </a:r>
-            <a:endParaRPr lang="en-GB" sz="6600" dirty="0">
-              <a:solidFill>
-                <a:srgbClr val="00A3E0"/>
-              </a:solidFill>
-              <a:latin typeface="akagi_probook"/>
-            </a:endParaRPr>
-          </a:p>
-          <a:p>
-            <a:br>
-              <a:rPr lang="en-GB" sz="1200" dirty="0">
-                <a:solidFill>
-                  <a:schemeClr val="bg1"/>
-                </a:solidFill>
-              </a:rPr>
-            </a:br>
-            <a:r>
-              <a:rPr lang="en-GB" sz="1200" dirty="0">
-                <a:solidFill>
-                  <a:schemeClr val="bg1"/>
-                </a:solidFill>
-              </a:rPr>
-              <a:t>CCLI Song # 15960</a:t>
-            </a:r>
-          </a:p>
-          <a:p>
-            <a:endParaRPr lang="en-GB" sz="1200" dirty="0">
-              <a:solidFill>
-                <a:schemeClr val="bg1"/>
-              </a:solidFill>
-            </a:endParaRPr>
-          </a:p>
-          <a:p>
-            <a:r>
-              <a:rPr lang="en-GB" sz="1200" dirty="0">
-                <a:solidFill>
-                  <a:schemeClr val="bg1"/>
-                </a:solidFill>
-              </a:rPr>
-              <a:t>Helen H. </a:t>
-            </a:r>
-            <a:r>
-              <a:rPr lang="en-GB" sz="1200" dirty="0" err="1">
-                <a:solidFill>
-                  <a:schemeClr val="bg1"/>
-                </a:solidFill>
-              </a:rPr>
-              <a:t>Lemmel</a:t>
-            </a:r>
-            <a:endParaRPr lang="en-GB" sz="1200" dirty="0">
-              <a:solidFill>
-                <a:schemeClr val="bg1"/>
-              </a:solidFill>
-            </a:endParaRPr>
-          </a:p>
-          <a:p>
-            <a:endParaRPr lang="en-GB" sz="1200" dirty="0">
-              <a:solidFill>
-                <a:schemeClr val="bg1"/>
-              </a:solidFill>
-            </a:endParaRPr>
-          </a:p>
-          <a:p>
-            <a:r>
-              <a:rPr lang="en-GB" sz="1200" dirty="0">
-                <a:solidFill>
-                  <a:schemeClr val="bg1"/>
-                </a:solidFill>
-              </a:rPr>
-              <a:t>© Words: 1922. Renewed 1950 New Spring (Admin. by / Small Stone Media BV, Holland (Admin. in the UK/Eire by Song Solutions www.songsolutions.org))</a:t>
-            </a:r>
-          </a:p>
-          <a:p>
-            <a:r>
-              <a:rPr lang="en-GB" sz="1200" dirty="0">
-                <a:solidFill>
-                  <a:schemeClr val="bg1"/>
-                </a:solidFill>
-              </a:rPr>
-              <a:t>Music: 1922. Renewed 1950 New Spring (Admin. by / Small Stone Media BV, Holland (Admin. in the UK/Eire by Song Solutions www.songsolutions.org))</a:t>
-            </a:r>
-          </a:p>
-          <a:p>
-            <a:r>
-              <a:rPr lang="en-GB" sz="1200" dirty="0">
-                <a:solidFill>
-                  <a:schemeClr val="bg1"/>
-                </a:solidFill>
-              </a:rPr>
-              <a:t>For use solely with the </a:t>
-            </a:r>
-            <a:r>
-              <a:rPr lang="en-GB" sz="1200" dirty="0" err="1">
-                <a:solidFill>
-                  <a:schemeClr val="bg1"/>
-                </a:solidFill>
-              </a:rPr>
-              <a:t>SongSelect</a:t>
-            </a:r>
-            <a:r>
-              <a:rPr lang="en-GB" sz="1200" dirty="0">
-                <a:solidFill>
-                  <a:schemeClr val="bg1"/>
-                </a:solidFill>
-              </a:rPr>
-              <a:t>® Terms of Use. All rights reserved. www.ccli.com</a:t>
-            </a:r>
-          </a:p>
-          <a:p>
-            <a:endParaRPr lang="en-GB" sz="1200" dirty="0">
-              <a:solidFill>
-                <a:schemeClr val="bg1"/>
-              </a:solidFill>
-            </a:endParaRPr>
-          </a:p>
-          <a:p>
-            <a:r>
-              <a:rPr lang="en-GB" sz="1200" dirty="0">
-                <a:solidFill>
-                  <a:schemeClr val="bg1"/>
-                </a:solidFill>
-              </a:rPr>
-              <a:t>CCLI Licence No. 33265</a:t>
+            <a:r>
+              <a:rPr lang="en-GB" sz="5000" dirty="0">
+                <a:solidFill>
+                  <a:schemeClr val="bg1"/>
+                </a:solidFill>
+              </a:rPr>
+              <a:t>When He shall come with trumpet sound</a:t>
+            </a:r>
+          </a:p>
+          <a:p>
+            <a:r>
+              <a:rPr lang="en-GB" sz="5000" dirty="0">
+                <a:solidFill>
+                  <a:schemeClr val="bg1"/>
+                </a:solidFill>
+              </a:rPr>
+              <a:t>Oh may I then in Him be found</a:t>
+            </a:r>
+          </a:p>
+          <a:p>
+            <a:r>
+              <a:rPr lang="en-GB" sz="5000" dirty="0">
+                <a:solidFill>
+                  <a:schemeClr val="bg1"/>
+                </a:solidFill>
+              </a:rPr>
+              <a:t>Dressed in His righteousness alone</a:t>
+            </a:r>
+          </a:p>
+          <a:p>
+            <a:r>
+              <a:rPr lang="en-GB" sz="5000" dirty="0">
+                <a:solidFill>
+                  <a:schemeClr val="bg1"/>
+                </a:solidFill>
+              </a:rPr>
+              <a:t>Faultless stand before the throne</a:t>
+            </a:r>
+          </a:p>
+        </p:txBody>
+      </p:sp>
+      <p:sp>
+        <p:nvSpPr>
+          <p:cNvPr id="4" name="TextBox 3"/>
+          <p:cNvSpPr txBox="1"/>
+          <p:nvPr/>
+        </p:nvSpPr>
+        <p:spPr>
+          <a:xfrm>
+            <a:off x="8529729" y="0"/>
+            <a:ext cx="628698" cy="461665"/>
+          </a:xfrm>
+          <a:prstGeom prst="rect">
+            <a:avLst/>
+          </a:prstGeom>
+          <a:noFill/>
+        </p:spPr>
+        <p:txBody>
+          <a:bodyPr wrap="none" rtlCol="0">
+            <a:spAutoFit/>
+          </a:bodyPr>
+          <a:lstStyle/>
+          <a:p>
+            <a:r>
+              <a:rPr lang="en-GB" sz="2400" b="1" dirty="0">
+                <a:solidFill>
+                  <a:schemeClr val="bg1"/>
+                </a:solidFill>
+              </a:rPr>
+              <a:t>4/4</a:t>
             </a:r>
           </a:p>
         </p:txBody>
@@ -5403,7 +5531,7 @@
     </p:spTree>
     <p:extLst>
       <p:ext uri="{BB962C8B-B14F-4D97-AF65-F5344CB8AC3E}">
-        <p14:creationId xmlns:p14="http://schemas.microsoft.com/office/powerpoint/2010/main" val="541422509"/>
+        <p14:creationId xmlns:p14="http://schemas.microsoft.com/office/powerpoint/2010/main" val="819122828"/>
       </p:ext>
     </p:extLst>
   </p:cSld>
@@ -5458,7 +5586,7 @@
                   <a:schemeClr val="bg1"/>
                 </a:solidFill>
               </a:rPr>
-              <a:t>O soul are you weary and troubled</a:t>
+              <a:t>Turn your eyes upon Jesus</a:t>
             </a:r>
           </a:p>
           <a:p>
@@ -5468,7 +5596,7 @@
                   <a:schemeClr val="bg1"/>
                 </a:solidFill>
               </a:rPr>
-              <a:t>No light in the darkness you see</a:t>
+              <a:t>Look full in His wonderful face</a:t>
             </a:r>
           </a:p>
           <a:p>
@@ -5478,21 +5606,8 @@
                   <a:schemeClr val="bg1"/>
                 </a:solidFill>
               </a:rPr>
-              <a:t>There's light for a look at the </a:t>
-            </a:r>
-            <a:r>
-              <a:rPr lang="en-GB" sz="5000" dirty="0" err="1">
-                <a:solidFill>
-                  <a:schemeClr val="bg1"/>
-                </a:solidFill>
-              </a:rPr>
-              <a:t>Savior</a:t>
-            </a:r>
-            <a:endParaRPr lang="en-GB" sz="5000" dirty="0">
-              <a:solidFill>
-                <a:schemeClr val="bg1"/>
-              </a:solidFill>
-            </a:endParaRPr>
+              <a:t>And the things of earth</a:t>
+            </a:r>
           </a:p>
           <a:p>
             <a:r>
@@ -5501,7 +5616,17 @@
                   <a:schemeClr val="bg1"/>
                 </a:solidFill>
               </a:rPr>
-              <a:t>And life more abundant and free</a:t>
+              <a:t>Will grow strangely dim</a:t>
+            </a:r>
+          </a:p>
+          <a:p>
+            <a:r>
+              <a:rPr lang="en-GB" sz="5000" dirty="0">
+                <a:solidFill>
+                  <a:schemeClr val="bg1"/>
+                </a:solidFill>
+              </a:rPr>
+              <a:t>In the light of His glory and grace</a:t>
             </a:r>
           </a:p>
         </p:txBody>
@@ -5534,7 +5659,7 @@
                   <a:schemeClr val="bg1"/>
                 </a:solidFill>
               </a:rPr>
-              <a:t>1/4</a:t>
+              <a:t>1/1</a:t>
             </a:r>
           </a:p>
         </p:txBody>
@@ -5542,7 +5667,7 @@
     </p:spTree>
     <p:extLst>
       <p:ext uri="{BB962C8B-B14F-4D97-AF65-F5344CB8AC3E}">
-        <p14:creationId xmlns:p14="http://schemas.microsoft.com/office/powerpoint/2010/main" val="229942282"/>
+        <p14:creationId xmlns:p14="http://schemas.microsoft.com/office/powerpoint/2010/main" val="1351411682"/>
       </p:ext>
     </p:extLst>
   </p:cSld>
@@ -5569,116 +5694,10 @@
           <a:chExt cx="0" cy="0"/>
         </a:xfrm>
       </p:grpSpPr>
-      <p:sp>
-        <p:nvSpPr>
-          <p:cNvPr id="3" name="Subtitle 2"/>
-          <p:cNvSpPr>
-            <a:spLocks noGrp="1"/>
-          </p:cNvSpPr>
-          <p:nvPr>
-            <p:ph type="subTitle" idx="1"/>
-          </p:nvPr>
-        </p:nvSpPr>
-        <p:spPr>
-          <a:xfrm>
-            <a:off x="323528" y="188640"/>
-            <a:ext cx="8640960" cy="6480720"/>
-          </a:xfrm>
-        </p:spPr>
-        <p:txBody>
-          <a:bodyPr>
-            <a:noAutofit/>
-          </a:bodyPr>
-          <a:lstStyle/>
-          <a:p>
-            <a:r>
-              <a:rPr lang="en-GB" sz="5000" dirty="0">
-                <a:solidFill>
-                  <a:schemeClr val="bg1"/>
-                </a:solidFill>
-              </a:rPr>
-              <a:t>Turn your eyes upon Jesus</a:t>
-            </a:r>
-          </a:p>
-          <a:p>
-            <a:r>
-              <a:rPr lang="en-GB" sz="5000" dirty="0">
-                <a:solidFill>
-                  <a:schemeClr val="bg1"/>
-                </a:solidFill>
-              </a:rPr>
-              <a:t>Look full in His wonderful face</a:t>
-            </a:r>
-          </a:p>
-          <a:p>
-            <a:r>
-              <a:rPr lang="en-GB" sz="5000" dirty="0">
-                <a:solidFill>
-                  <a:schemeClr val="bg1"/>
-                </a:solidFill>
-              </a:rPr>
-              <a:t>And the things of earth</a:t>
-            </a:r>
-          </a:p>
-          <a:p>
-            <a:r>
-              <a:rPr lang="en-GB" sz="5000" dirty="0">
-                <a:solidFill>
-                  <a:schemeClr val="bg1"/>
-                </a:solidFill>
-              </a:rPr>
-              <a:t>Will grow strangely dim</a:t>
-            </a:r>
-          </a:p>
-          <a:p>
-            <a:r>
-              <a:rPr lang="en-GB" sz="5000" dirty="0">
-                <a:solidFill>
-                  <a:schemeClr val="bg1"/>
-                </a:solidFill>
-              </a:rPr>
-              <a:t>In the light of His glory and grace</a:t>
-            </a:r>
-          </a:p>
-        </p:txBody>
-      </p:sp>
-      <p:sp>
-        <p:nvSpPr>
-          <p:cNvPr id="4" name="TextBox 3"/>
-          <p:cNvSpPr txBox="1"/>
-          <p:nvPr/>
-        </p:nvSpPr>
-        <p:spPr>
-          <a:xfrm>
-            <a:off x="8529729" y="0"/>
-            <a:ext cx="628698" cy="461665"/>
-          </a:xfrm>
-          <a:prstGeom prst="rect">
-            <a:avLst/>
-          </a:prstGeom>
-          <a:noFill/>
-        </p:spPr>
-        <p:txBody>
-          <a:bodyPr wrap="none" rtlCol="0">
-            <a:spAutoFit/>
-          </a:bodyPr>
-          <a:lstStyle/>
-          <a:p>
-            <a:r>
-              <a:rPr lang="en-GB" sz="2400" b="1" dirty="0">
-                <a:solidFill>
-                  <a:schemeClr val="bg1"/>
-                </a:solidFill>
-              </a:rPr>
-              <a:t>2/4</a:t>
-            </a:r>
-          </a:p>
-        </p:txBody>
-      </p:sp>
     </p:spTree>
     <p:extLst>
       <p:ext uri="{BB962C8B-B14F-4D97-AF65-F5344CB8AC3E}">
-        <p14:creationId xmlns:p14="http://schemas.microsoft.com/office/powerpoint/2010/main" val="3931025288"/>
+        <p14:creationId xmlns:p14="http://schemas.microsoft.com/office/powerpoint/2010/main" val="2841570073"/>
       </p:ext>
     </p:extLst>
   </p:cSld>
@@ -5689,258 +5708,6 @@
 </file>
 
 <file path=ppt/slides/slide26.xml><?xml version="1.0" encoding="utf-8"?>
-<p:sld xmlns:a="http://schemas.openxmlformats.org/drawingml/2006/main" xmlns:r="http://schemas.openxmlformats.org/officeDocument/2006/relationships" xmlns:p="http://schemas.openxmlformats.org/presentationml/2006/main">
-  <p:cSld>
-    <p:spTree>
-      <p:nvGrpSpPr>
-        <p:cNvPr id="1" name=""/>
-        <p:cNvGrpSpPr/>
-        <p:nvPr/>
-      </p:nvGrpSpPr>
-      <p:grpSpPr>
-        <a:xfrm>
-          <a:off x="0" y="0"/>
-          <a:ext cx="0" cy="0"/>
-          <a:chOff x="0" y="0"/>
-          <a:chExt cx="0" cy="0"/>
-        </a:xfrm>
-      </p:grpSpPr>
-      <p:sp>
-        <p:nvSpPr>
-          <p:cNvPr id="3" name="Subtitle 2"/>
-          <p:cNvSpPr>
-            <a:spLocks noGrp="1"/>
-          </p:cNvSpPr>
-          <p:nvPr>
-            <p:ph type="subTitle" idx="1"/>
-          </p:nvPr>
-        </p:nvSpPr>
-        <p:spPr>
-          <a:xfrm>
-            <a:off x="323528" y="188640"/>
-            <a:ext cx="8640960" cy="6480720"/>
-          </a:xfrm>
-        </p:spPr>
-        <p:txBody>
-          <a:bodyPr>
-            <a:noAutofit/>
-          </a:bodyPr>
-          <a:lstStyle/>
-          <a:p>
-            <a:r>
-              <a:rPr lang="en-GB" sz="5000" dirty="0">
-                <a:solidFill>
-                  <a:schemeClr val="bg1"/>
-                </a:solidFill>
-              </a:rPr>
-              <a:t>Through death into life everlasting</a:t>
-            </a:r>
-          </a:p>
-          <a:p>
-            <a:r>
-              <a:rPr lang="en-GB" sz="5000" dirty="0">
-                <a:solidFill>
-                  <a:schemeClr val="bg1"/>
-                </a:solidFill>
-              </a:rPr>
-              <a:t>He passed and we follow Him there</a:t>
-            </a:r>
-          </a:p>
-          <a:p>
-            <a:r>
-              <a:rPr lang="en-GB" sz="5000" dirty="0">
-                <a:solidFill>
-                  <a:schemeClr val="bg1"/>
-                </a:solidFill>
-              </a:rPr>
-              <a:t>Over us sin no more hath dominion</a:t>
-            </a:r>
-          </a:p>
-          <a:p>
-            <a:r>
-              <a:rPr lang="en-GB" sz="5000" dirty="0">
-                <a:solidFill>
-                  <a:schemeClr val="bg1"/>
-                </a:solidFill>
-              </a:rPr>
-              <a:t>For more than conquerors we are</a:t>
-            </a:r>
-          </a:p>
-        </p:txBody>
-      </p:sp>
-      <p:sp>
-        <p:nvSpPr>
-          <p:cNvPr id="4" name="TextBox 3"/>
-          <p:cNvSpPr txBox="1"/>
-          <p:nvPr/>
-        </p:nvSpPr>
-        <p:spPr>
-          <a:xfrm>
-            <a:off x="8529729" y="0"/>
-            <a:ext cx="628698" cy="461665"/>
-          </a:xfrm>
-          <a:prstGeom prst="rect">
-            <a:avLst/>
-          </a:prstGeom>
-          <a:noFill/>
-        </p:spPr>
-        <p:txBody>
-          <a:bodyPr wrap="none" rtlCol="0">
-            <a:spAutoFit/>
-          </a:bodyPr>
-          <a:lstStyle/>
-          <a:p>
-            <a:r>
-              <a:rPr lang="en-GB" sz="2400" b="1" dirty="0">
-                <a:solidFill>
-                  <a:schemeClr val="bg1"/>
-                </a:solidFill>
-              </a:rPr>
-              <a:t>3/4</a:t>
-            </a:r>
-          </a:p>
-        </p:txBody>
-      </p:sp>
-    </p:spTree>
-    <p:extLst>
-      <p:ext uri="{BB962C8B-B14F-4D97-AF65-F5344CB8AC3E}">
-        <p14:creationId xmlns:p14="http://schemas.microsoft.com/office/powerpoint/2010/main" val="2350883484"/>
-      </p:ext>
-    </p:extLst>
-  </p:cSld>
-  <p:clrMapOvr>
-    <a:masterClrMapping/>
-  </p:clrMapOvr>
-</p:sld>
-</file>
-
-<file path=ppt/slides/slide27.xml><?xml version="1.0" encoding="utf-8"?>
-<p:sld xmlns:a="http://schemas.openxmlformats.org/drawingml/2006/main" xmlns:r="http://schemas.openxmlformats.org/officeDocument/2006/relationships" xmlns:p="http://schemas.openxmlformats.org/presentationml/2006/main">
-  <p:cSld>
-    <p:spTree>
-      <p:nvGrpSpPr>
-        <p:cNvPr id="1" name=""/>
-        <p:cNvGrpSpPr/>
-        <p:nvPr/>
-      </p:nvGrpSpPr>
-      <p:grpSpPr>
-        <a:xfrm>
-          <a:off x="0" y="0"/>
-          <a:ext cx="0" cy="0"/>
-          <a:chOff x="0" y="0"/>
-          <a:chExt cx="0" cy="0"/>
-        </a:xfrm>
-      </p:grpSpPr>
-      <p:sp>
-        <p:nvSpPr>
-          <p:cNvPr id="3" name="Subtitle 2"/>
-          <p:cNvSpPr>
-            <a:spLocks noGrp="1"/>
-          </p:cNvSpPr>
-          <p:nvPr>
-            <p:ph type="subTitle" idx="1"/>
-          </p:nvPr>
-        </p:nvSpPr>
-        <p:spPr>
-          <a:xfrm>
-            <a:off x="323528" y="188640"/>
-            <a:ext cx="8640960" cy="6480720"/>
-          </a:xfrm>
-        </p:spPr>
-        <p:txBody>
-          <a:bodyPr>
-            <a:noAutofit/>
-          </a:bodyPr>
-          <a:lstStyle/>
-          <a:p>
-            <a:r>
-              <a:rPr lang="en-GB" sz="5000" dirty="0">
-                <a:solidFill>
-                  <a:schemeClr val="bg1"/>
-                </a:solidFill>
-              </a:rPr>
-              <a:t>His Word shall not fail you He promised</a:t>
-            </a:r>
-          </a:p>
-          <a:p>
-            <a:r>
-              <a:rPr lang="en-GB" sz="5000" dirty="0">
-                <a:solidFill>
-                  <a:schemeClr val="bg1"/>
-                </a:solidFill>
-              </a:rPr>
-              <a:t>Believe Him and all will be well</a:t>
-            </a:r>
-          </a:p>
-          <a:p>
-            <a:r>
-              <a:rPr lang="en-GB" sz="5000" dirty="0">
-                <a:solidFill>
-                  <a:schemeClr val="bg1"/>
-                </a:solidFill>
-              </a:rPr>
-              <a:t>Then go to a world that is dying</a:t>
-            </a:r>
-          </a:p>
-          <a:p>
-            <a:r>
-              <a:rPr lang="en-GB" sz="5000" dirty="0">
-                <a:solidFill>
-                  <a:schemeClr val="bg1"/>
-                </a:solidFill>
-              </a:rPr>
-              <a:t>His perfect salvation to tell</a:t>
-            </a:r>
-          </a:p>
-        </p:txBody>
-      </p:sp>
-      <p:sp>
-        <p:nvSpPr>
-          <p:cNvPr id="4" name="TextBox 3"/>
-          <p:cNvSpPr txBox="1"/>
-          <p:nvPr/>
-        </p:nvSpPr>
-        <p:spPr>
-          <a:xfrm>
-            <a:off x="8529729" y="0"/>
-            <a:ext cx="628698" cy="461665"/>
-          </a:xfrm>
-          <a:prstGeom prst="rect">
-            <a:avLst/>
-          </a:prstGeom>
-          <a:noFill/>
-        </p:spPr>
-        <p:txBody>
-          <a:bodyPr wrap="none" rtlCol="0">
-            <a:spAutoFit/>
-          </a:bodyPr>
-          <a:lstStyle/>
-          <a:p>
-            <a:r>
-              <a:rPr lang="en-GB" sz="2400" b="1" dirty="0">
-                <a:solidFill>
-                  <a:schemeClr val="bg1"/>
-                </a:solidFill>
-              </a:rPr>
-              <a:t>4/4</a:t>
-            </a:r>
-          </a:p>
-        </p:txBody>
-      </p:sp>
-    </p:spTree>
-    <p:extLst>
-      <p:ext uri="{BB962C8B-B14F-4D97-AF65-F5344CB8AC3E}">
-        <p14:creationId xmlns:p14="http://schemas.microsoft.com/office/powerpoint/2010/main" val="713827220"/>
-      </p:ext>
-    </p:extLst>
-  </p:cSld>
-  <p:clrMapOvr>
-    <a:masterClrMapping/>
-  </p:clrMapOvr>
-</p:sld>
-</file>
-
-<file path=ppt/slides/slide28.xml><?xml version="1.0" encoding="utf-8"?>
 <p:sld xmlns:a="http://schemas.openxmlformats.org/drawingml/2006/main" xmlns:r="http://schemas.openxmlformats.org/officeDocument/2006/relationships" xmlns:p="http://schemas.openxmlformats.org/presentationml/2006/main">
   <p:cSld>
     <p:spTree>
@@ -6016,7 +5783,7 @@
 </p:sld>
 </file>
 
-<file path=ppt/slides/slide29.xml><?xml version="1.0" encoding="utf-8"?>
+<file path=ppt/slides/slide27.xml><?xml version="1.0" encoding="utf-8"?>
 <p:sld xmlns:a="http://schemas.openxmlformats.org/drawingml/2006/main" xmlns:r="http://schemas.openxmlformats.org/officeDocument/2006/relationships" xmlns:p="http://schemas.openxmlformats.org/presentationml/2006/main">
   <p:cSld>
     <p:spTree>
@@ -6082,208 +5849,7 @@
 </p:sld>
 </file>
 
-<file path=ppt/slides/slide3.xml><?xml version="1.0" encoding="utf-8"?>
-<p:sld xmlns:a="http://schemas.openxmlformats.org/drawingml/2006/main" xmlns:r="http://schemas.openxmlformats.org/officeDocument/2006/relationships" xmlns:p="http://schemas.openxmlformats.org/presentationml/2006/main">
-  <p:cSld>
-    <p:spTree>
-      <p:nvGrpSpPr>
-        <p:cNvPr id="1" name=""/>
-        <p:cNvGrpSpPr/>
-        <p:nvPr/>
-      </p:nvGrpSpPr>
-      <p:grpSpPr>
-        <a:xfrm>
-          <a:off x="0" y="0"/>
-          <a:ext cx="0" cy="0"/>
-          <a:chOff x="0" y="0"/>
-          <a:chExt cx="0" cy="0"/>
-        </a:xfrm>
-      </p:grpSpPr>
-      <p:sp>
-        <p:nvSpPr>
-          <p:cNvPr id="3" name="Subtitle 2"/>
-          <p:cNvSpPr>
-            <a:spLocks noGrp="1"/>
-          </p:cNvSpPr>
-          <p:nvPr>
-            <p:ph type="subTitle" idx="1"/>
-          </p:nvPr>
-        </p:nvSpPr>
-        <p:spPr>
-          <a:xfrm>
-            <a:off x="323528" y="188640"/>
-            <a:ext cx="8640960" cy="6480720"/>
-          </a:xfrm>
-        </p:spPr>
-        <p:txBody>
-          <a:bodyPr>
-            <a:noAutofit/>
-          </a:bodyPr>
-          <a:lstStyle/>
-          <a:p>
-            <a:r>
-              <a:rPr lang="en-GB" sz="5400" dirty="0">
-                <a:solidFill>
-                  <a:schemeClr val="bg1"/>
-                </a:solidFill>
-              </a:rPr>
-              <a:t>Water You turned into wine</a:t>
-            </a:r>
-            <a:br>
-              <a:rPr lang="en-GB" sz="5400" dirty="0">
-                <a:solidFill>
-                  <a:schemeClr val="bg1"/>
-                </a:solidFill>
-              </a:rPr>
-            </a:br>
-            <a:r>
-              <a:rPr lang="en-GB" sz="5400" dirty="0">
-                <a:solidFill>
-                  <a:schemeClr val="bg1"/>
-                </a:solidFill>
-              </a:rPr>
-              <a:t>Opened the eyes of the blind</a:t>
-            </a:r>
-            <a:br>
-              <a:rPr lang="en-GB" sz="5400" dirty="0">
-                <a:solidFill>
-                  <a:schemeClr val="bg1"/>
-                </a:solidFill>
-              </a:rPr>
-            </a:br>
-            <a:r>
-              <a:rPr lang="en-GB" sz="5400" dirty="0">
-                <a:solidFill>
-                  <a:schemeClr val="bg1"/>
-                </a:solidFill>
-              </a:rPr>
-              <a:t>There's no one like you</a:t>
-            </a:r>
-            <a:br>
-              <a:rPr lang="en-GB" sz="5400" dirty="0">
-                <a:solidFill>
-                  <a:schemeClr val="bg1"/>
-                </a:solidFill>
-              </a:rPr>
-            </a:br>
-            <a:r>
-              <a:rPr lang="en-GB" sz="5400" dirty="0">
-                <a:solidFill>
-                  <a:schemeClr val="bg1"/>
-                </a:solidFill>
-              </a:rPr>
-              <a:t>None like you</a:t>
-            </a:r>
-            <a:br>
-              <a:rPr lang="en-GB" sz="5400" dirty="0">
-                <a:solidFill>
-                  <a:schemeClr val="bg1"/>
-                </a:solidFill>
-              </a:rPr>
-            </a:br>
-            <a:r>
-              <a:rPr lang="en-GB" sz="5400" dirty="0">
-                <a:solidFill>
-                  <a:schemeClr val="bg1"/>
-                </a:solidFill>
-              </a:rPr>
-              <a:t>Into the darkness You shine</a:t>
-            </a:r>
-            <a:br>
-              <a:rPr lang="en-GB" sz="5400" dirty="0">
-                <a:solidFill>
-                  <a:schemeClr val="bg1"/>
-                </a:solidFill>
-              </a:rPr>
-            </a:br>
-            <a:r>
-              <a:rPr lang="en-GB" sz="5400" dirty="0">
-                <a:solidFill>
-                  <a:schemeClr val="bg1"/>
-                </a:solidFill>
-              </a:rPr>
-              <a:t>Out of the ashes we rise</a:t>
-            </a:r>
-            <a:br>
-              <a:rPr lang="en-GB" sz="5400" dirty="0">
-                <a:solidFill>
-                  <a:schemeClr val="bg1"/>
-                </a:solidFill>
-              </a:rPr>
-            </a:br>
-            <a:r>
-              <a:rPr lang="en-GB" sz="5400" dirty="0">
-                <a:solidFill>
-                  <a:schemeClr val="bg1"/>
-                </a:solidFill>
-              </a:rPr>
-              <a:t>There's No one like you</a:t>
-            </a:r>
-            <a:br>
-              <a:rPr lang="en-GB" sz="5400" dirty="0">
-                <a:solidFill>
-                  <a:schemeClr val="bg1"/>
-                </a:solidFill>
-              </a:rPr>
-            </a:br>
-            <a:r>
-              <a:rPr lang="en-GB" sz="5400" dirty="0">
-                <a:solidFill>
-                  <a:schemeClr val="bg1"/>
-                </a:solidFill>
-              </a:rPr>
-              <a:t>None like you</a:t>
-            </a:r>
-          </a:p>
-        </p:txBody>
-      </p:sp>
-      <p:sp>
-        <p:nvSpPr>
-          <p:cNvPr id="4" name="TextBox 3"/>
-          <p:cNvSpPr txBox="1"/>
-          <p:nvPr/>
-        </p:nvSpPr>
-        <p:spPr>
-          <a:xfrm>
-            <a:off x="8529729" y="0"/>
-            <a:ext cx="628698" cy="461665"/>
-          </a:xfrm>
-          <a:prstGeom prst="rect">
-            <a:avLst/>
-          </a:prstGeom>
-          <a:noFill/>
-        </p:spPr>
-        <p:txBody>
-          <a:bodyPr wrap="none" rtlCol="0">
-            <a:spAutoFit/>
-          </a:bodyPr>
-          <a:lstStyle/>
-          <a:p>
-            <a:r>
-              <a:rPr lang="en-GB" sz="2400" b="1" dirty="0">
-                <a:solidFill>
-                  <a:schemeClr val="bg1"/>
-                </a:solidFill>
-              </a:rPr>
-              <a:t>1/3</a:t>
-            </a:r>
-          </a:p>
-        </p:txBody>
-      </p:sp>
-    </p:spTree>
-    <p:extLst>
-      <p:ext uri="{BB962C8B-B14F-4D97-AF65-F5344CB8AC3E}">
-        <p14:creationId xmlns:p14="http://schemas.microsoft.com/office/powerpoint/2010/main" val="1650578098"/>
-      </p:ext>
-    </p:extLst>
-  </p:cSld>
-  <p:clrMapOvr>
-    <a:masterClrMapping/>
-  </p:clrMapOvr>
-</p:sld>
-</file>
-
-<file path=ppt/slides/slide30.xml><?xml version="1.0" encoding="utf-8"?>
+<file path=ppt/slides/slide28.xml><?xml version="1.0" encoding="utf-8"?>
 <p:sld xmlns:a="http://schemas.openxmlformats.org/drawingml/2006/main" xmlns:r="http://schemas.openxmlformats.org/officeDocument/2006/relationships" xmlns:p="http://schemas.openxmlformats.org/presentationml/2006/main">
   <p:cSld>
     <p:spTree>
@@ -6313,6 +5879,466 @@
 </p:sld>
 </file>
 
+<file path=ppt/slides/slide29.xml><?xml version="1.0" encoding="utf-8"?>
+<p:sld xmlns:a="http://schemas.openxmlformats.org/drawingml/2006/main" xmlns:r="http://schemas.openxmlformats.org/officeDocument/2006/relationships" xmlns:p="http://schemas.openxmlformats.org/presentationml/2006/main">
+  <p:cSld>
+    <p:spTree>
+      <p:nvGrpSpPr>
+        <p:cNvPr id="1" name=""/>
+        <p:cNvGrpSpPr/>
+        <p:nvPr/>
+      </p:nvGrpSpPr>
+      <p:grpSpPr>
+        <a:xfrm>
+          <a:off x="0" y="0"/>
+          <a:ext cx="0" cy="0"/>
+          <a:chOff x="0" y="0"/>
+          <a:chExt cx="0" cy="0"/>
+        </a:xfrm>
+      </p:grpSpPr>
+      <p:sp>
+        <p:nvSpPr>
+          <p:cNvPr id="3" name="Subtitle 2"/>
+          <p:cNvSpPr>
+            <a:spLocks noGrp="1"/>
+          </p:cNvSpPr>
+          <p:nvPr>
+            <p:ph type="subTitle" idx="1"/>
+          </p:nvPr>
+        </p:nvSpPr>
+        <p:spPr>
+          <a:xfrm>
+            <a:off x="323528" y="188640"/>
+            <a:ext cx="8640960" cy="6480720"/>
+          </a:xfrm>
+        </p:spPr>
+        <p:txBody>
+          <a:bodyPr>
+            <a:noAutofit/>
+          </a:bodyPr>
+          <a:lstStyle/>
+          <a:p>
+            <a:endParaRPr lang="en-GB" sz="5400" dirty="0">
+              <a:solidFill>
+                <a:schemeClr val="bg1"/>
+              </a:solidFill>
+            </a:endParaRPr>
+          </a:p>
+          <a:p>
+            <a:r>
+              <a:rPr lang="en-GB" sz="6600" b="0" i="0" dirty="0">
+                <a:solidFill>
+                  <a:srgbClr val="00A3E0"/>
+                </a:solidFill>
+                <a:effectLst/>
+                <a:latin typeface="akagi_probook"/>
+              </a:rPr>
+              <a:t>Turn Your Eyes Upon Jesus</a:t>
+            </a:r>
+            <a:endParaRPr lang="en-GB" sz="6600" dirty="0">
+              <a:solidFill>
+                <a:srgbClr val="00A3E0"/>
+              </a:solidFill>
+              <a:latin typeface="akagi_probook"/>
+            </a:endParaRPr>
+          </a:p>
+          <a:p>
+            <a:br>
+              <a:rPr lang="en-GB" sz="1200" dirty="0">
+                <a:solidFill>
+                  <a:schemeClr val="bg1"/>
+                </a:solidFill>
+              </a:rPr>
+            </a:br>
+            <a:r>
+              <a:rPr lang="en-GB" sz="1200" dirty="0">
+                <a:solidFill>
+                  <a:schemeClr val="bg1"/>
+                </a:solidFill>
+              </a:rPr>
+              <a:t>CCLI Song # 15960</a:t>
+            </a:r>
+          </a:p>
+          <a:p>
+            <a:endParaRPr lang="en-GB" sz="1200" dirty="0">
+              <a:solidFill>
+                <a:schemeClr val="bg1"/>
+              </a:solidFill>
+            </a:endParaRPr>
+          </a:p>
+          <a:p>
+            <a:r>
+              <a:rPr lang="en-GB" sz="1200" dirty="0">
+                <a:solidFill>
+                  <a:schemeClr val="bg1"/>
+                </a:solidFill>
+              </a:rPr>
+              <a:t>Helen H. </a:t>
+            </a:r>
+            <a:r>
+              <a:rPr lang="en-GB" sz="1200" dirty="0" err="1">
+                <a:solidFill>
+                  <a:schemeClr val="bg1"/>
+                </a:solidFill>
+              </a:rPr>
+              <a:t>Lemmel</a:t>
+            </a:r>
+            <a:endParaRPr lang="en-GB" sz="1200" dirty="0">
+              <a:solidFill>
+                <a:schemeClr val="bg1"/>
+              </a:solidFill>
+            </a:endParaRPr>
+          </a:p>
+          <a:p>
+            <a:endParaRPr lang="en-GB" sz="1200" dirty="0">
+              <a:solidFill>
+                <a:schemeClr val="bg1"/>
+              </a:solidFill>
+            </a:endParaRPr>
+          </a:p>
+          <a:p>
+            <a:r>
+              <a:rPr lang="en-GB" sz="1200" dirty="0">
+                <a:solidFill>
+                  <a:schemeClr val="bg1"/>
+                </a:solidFill>
+              </a:rPr>
+              <a:t>© Words: 1922. Renewed 1950 New Spring (Admin. by / Small Stone Media BV, Holland (Admin. in the UK/Eire by Song Solutions www.songsolutions.org))</a:t>
+            </a:r>
+          </a:p>
+          <a:p>
+            <a:r>
+              <a:rPr lang="en-GB" sz="1200" dirty="0">
+                <a:solidFill>
+                  <a:schemeClr val="bg1"/>
+                </a:solidFill>
+              </a:rPr>
+              <a:t>Music: 1922. Renewed 1950 New Spring (Admin. by / Small Stone Media BV, Holland (Admin. in the UK/Eire by Song Solutions www.songsolutions.org))</a:t>
+            </a:r>
+          </a:p>
+          <a:p>
+            <a:r>
+              <a:rPr lang="en-GB" sz="1200" dirty="0">
+                <a:solidFill>
+                  <a:schemeClr val="bg1"/>
+                </a:solidFill>
+              </a:rPr>
+              <a:t>For use solely with the </a:t>
+            </a:r>
+            <a:r>
+              <a:rPr lang="en-GB" sz="1200" dirty="0" err="1">
+                <a:solidFill>
+                  <a:schemeClr val="bg1"/>
+                </a:solidFill>
+              </a:rPr>
+              <a:t>SongSelect</a:t>
+            </a:r>
+            <a:r>
+              <a:rPr lang="en-GB" sz="1200" dirty="0">
+                <a:solidFill>
+                  <a:schemeClr val="bg1"/>
+                </a:solidFill>
+              </a:rPr>
+              <a:t>® Terms of Use. All rights reserved. www.ccli.com</a:t>
+            </a:r>
+          </a:p>
+          <a:p>
+            <a:endParaRPr lang="en-GB" sz="1200" dirty="0">
+              <a:solidFill>
+                <a:schemeClr val="bg1"/>
+              </a:solidFill>
+            </a:endParaRPr>
+          </a:p>
+          <a:p>
+            <a:r>
+              <a:rPr lang="en-GB" sz="1200" dirty="0">
+                <a:solidFill>
+                  <a:schemeClr val="bg1"/>
+                </a:solidFill>
+              </a:rPr>
+              <a:t>CCLI Licence No. 33265</a:t>
+            </a:r>
+          </a:p>
+        </p:txBody>
+      </p:sp>
+    </p:spTree>
+    <p:extLst>
+      <p:ext uri="{BB962C8B-B14F-4D97-AF65-F5344CB8AC3E}">
+        <p14:creationId xmlns:p14="http://schemas.microsoft.com/office/powerpoint/2010/main" val="135715050"/>
+      </p:ext>
+    </p:extLst>
+  </p:cSld>
+  <p:clrMapOvr>
+    <a:masterClrMapping/>
+  </p:clrMapOvr>
+</p:sld>
+</file>
+
+<file path=ppt/slides/slide3.xml><?xml version="1.0" encoding="utf-8"?>
+<p:sld xmlns:a="http://schemas.openxmlformats.org/drawingml/2006/main" xmlns:r="http://schemas.openxmlformats.org/officeDocument/2006/relationships" xmlns:p="http://schemas.openxmlformats.org/presentationml/2006/main">
+  <p:cSld>
+    <p:spTree>
+      <p:nvGrpSpPr>
+        <p:cNvPr id="1" name=""/>
+        <p:cNvGrpSpPr/>
+        <p:nvPr/>
+      </p:nvGrpSpPr>
+      <p:grpSpPr>
+        <a:xfrm>
+          <a:off x="0" y="0"/>
+          <a:ext cx="0" cy="0"/>
+          <a:chOff x="0" y="0"/>
+          <a:chExt cx="0" cy="0"/>
+        </a:xfrm>
+      </p:grpSpPr>
+      <p:sp>
+        <p:nvSpPr>
+          <p:cNvPr id="3" name="Subtitle 2"/>
+          <p:cNvSpPr>
+            <a:spLocks noGrp="1"/>
+          </p:cNvSpPr>
+          <p:nvPr>
+            <p:ph type="subTitle" idx="1"/>
+          </p:nvPr>
+        </p:nvSpPr>
+        <p:spPr>
+          <a:xfrm>
+            <a:off x="323528" y="188640"/>
+            <a:ext cx="8640960" cy="6480720"/>
+          </a:xfrm>
+        </p:spPr>
+        <p:txBody>
+          <a:bodyPr>
+            <a:noAutofit/>
+          </a:bodyPr>
+          <a:lstStyle/>
+          <a:p>
+            <a:r>
+              <a:rPr lang="en-GB" sz="6000" dirty="0">
+                <a:solidFill>
+                  <a:schemeClr val="bg1"/>
+                </a:solidFill>
+              </a:rPr>
+              <a:t>Blessed be Your name</a:t>
+            </a:r>
+          </a:p>
+          <a:p>
+            <a:r>
+              <a:rPr lang="en-GB" sz="6000" dirty="0">
+                <a:solidFill>
+                  <a:schemeClr val="bg1"/>
+                </a:solidFill>
+              </a:rPr>
+              <a:t>In the land that is plentiful</a:t>
+            </a:r>
+          </a:p>
+          <a:p>
+            <a:r>
+              <a:rPr lang="en-GB" sz="6000" dirty="0">
+                <a:solidFill>
+                  <a:schemeClr val="bg1"/>
+                </a:solidFill>
+              </a:rPr>
+              <a:t>Where Your streams of abundance flow</a:t>
+            </a:r>
+          </a:p>
+          <a:p>
+            <a:r>
+              <a:rPr lang="en-GB" sz="6000" dirty="0">
+                <a:solidFill>
+                  <a:schemeClr val="bg1"/>
+                </a:solidFill>
+              </a:rPr>
+              <a:t>Blessed be Your name</a:t>
+            </a:r>
+          </a:p>
+        </p:txBody>
+      </p:sp>
+      <p:sp>
+        <p:nvSpPr>
+          <p:cNvPr id="4" name="TextBox 3"/>
+          <p:cNvSpPr txBox="1"/>
+          <p:nvPr/>
+        </p:nvSpPr>
+        <p:spPr>
+          <a:xfrm>
+            <a:off x="8529729" y="0"/>
+            <a:ext cx="628698" cy="461665"/>
+          </a:xfrm>
+          <a:prstGeom prst="rect">
+            <a:avLst/>
+          </a:prstGeom>
+          <a:noFill/>
+        </p:spPr>
+        <p:txBody>
+          <a:bodyPr wrap="none" rtlCol="0">
+            <a:spAutoFit/>
+          </a:bodyPr>
+          <a:lstStyle/>
+          <a:p>
+            <a:r>
+              <a:rPr lang="en-GB" sz="2400" b="1" dirty="0">
+                <a:solidFill>
+                  <a:schemeClr val="bg1"/>
+                </a:solidFill>
+              </a:rPr>
+              <a:t>1/7</a:t>
+            </a:r>
+          </a:p>
+        </p:txBody>
+      </p:sp>
+    </p:spTree>
+    <p:extLst>
+      <p:ext uri="{BB962C8B-B14F-4D97-AF65-F5344CB8AC3E}">
+        <p14:creationId xmlns:p14="http://schemas.microsoft.com/office/powerpoint/2010/main" val="925767994"/>
+      </p:ext>
+    </p:extLst>
+  </p:cSld>
+  <p:clrMapOvr>
+    <a:masterClrMapping/>
+  </p:clrMapOvr>
+</p:sld>
+</file>
+
+<file path=ppt/slides/slide30.xml><?xml version="1.0" encoding="utf-8"?>
+<p:sld xmlns:a="http://schemas.openxmlformats.org/drawingml/2006/main" xmlns:r="http://schemas.openxmlformats.org/officeDocument/2006/relationships" xmlns:p="http://schemas.openxmlformats.org/presentationml/2006/main">
+  <p:cSld>
+    <p:spTree>
+      <p:nvGrpSpPr>
+        <p:cNvPr id="1" name=""/>
+        <p:cNvGrpSpPr/>
+        <p:nvPr/>
+      </p:nvGrpSpPr>
+      <p:grpSpPr>
+        <a:xfrm>
+          <a:off x="0" y="0"/>
+          <a:ext cx="0" cy="0"/>
+          <a:chOff x="0" y="0"/>
+          <a:chExt cx="0" cy="0"/>
+        </a:xfrm>
+      </p:grpSpPr>
+      <p:sp>
+        <p:nvSpPr>
+          <p:cNvPr id="3" name="Subtitle 2"/>
+          <p:cNvSpPr>
+            <a:spLocks noGrp="1"/>
+          </p:cNvSpPr>
+          <p:nvPr>
+            <p:ph type="subTitle" idx="1"/>
+          </p:nvPr>
+        </p:nvSpPr>
+        <p:spPr>
+          <a:xfrm>
+            <a:off x="323528" y="188640"/>
+            <a:ext cx="8640960" cy="6480720"/>
+          </a:xfrm>
+        </p:spPr>
+        <p:txBody>
+          <a:bodyPr>
+            <a:noAutofit/>
+          </a:bodyPr>
+          <a:lstStyle/>
+          <a:p>
+            <a:r>
+              <a:rPr lang="en-GB" sz="5000" dirty="0">
+                <a:solidFill>
+                  <a:schemeClr val="bg1"/>
+                </a:solidFill>
+              </a:rPr>
+              <a:t>O soul are you weary and troubled</a:t>
+            </a:r>
+          </a:p>
+          <a:p>
+            <a:r>
+              <a:rPr lang="en-GB" sz="5000" dirty="0">
+                <a:solidFill>
+                  <a:schemeClr val="bg1"/>
+                </a:solidFill>
+              </a:rPr>
+              <a:t>No light in the darkness you see</a:t>
+            </a:r>
+          </a:p>
+          <a:p>
+            <a:r>
+              <a:rPr lang="en-GB" sz="5000" dirty="0">
+                <a:solidFill>
+                  <a:schemeClr val="bg1"/>
+                </a:solidFill>
+              </a:rPr>
+              <a:t>There's light for a look at the </a:t>
+            </a:r>
+            <a:r>
+              <a:rPr lang="en-GB" sz="5000" dirty="0" err="1">
+                <a:solidFill>
+                  <a:schemeClr val="bg1"/>
+                </a:solidFill>
+              </a:rPr>
+              <a:t>Savior</a:t>
+            </a:r>
+            <a:endParaRPr lang="en-GB" sz="5000" dirty="0">
+              <a:solidFill>
+                <a:schemeClr val="bg1"/>
+              </a:solidFill>
+            </a:endParaRPr>
+          </a:p>
+          <a:p>
+            <a:r>
+              <a:rPr lang="en-GB" sz="5000" dirty="0">
+                <a:solidFill>
+                  <a:schemeClr val="bg1"/>
+                </a:solidFill>
+              </a:rPr>
+              <a:t>And life more abundant and free</a:t>
+            </a:r>
+          </a:p>
+        </p:txBody>
+      </p:sp>
+      <p:sp>
+        <p:nvSpPr>
+          <p:cNvPr id="4" name="TextBox 3"/>
+          <p:cNvSpPr txBox="1"/>
+          <p:nvPr/>
+        </p:nvSpPr>
+        <p:spPr>
+          <a:xfrm>
+            <a:off x="8529729" y="0"/>
+            <a:ext cx="628698" cy="461665"/>
+          </a:xfrm>
+          <a:prstGeom prst="rect">
+            <a:avLst/>
+          </a:prstGeom>
+          <a:noFill/>
+        </p:spPr>
+        <p:txBody>
+          <a:bodyPr wrap="none" rtlCol="0">
+            <a:spAutoFit/>
+          </a:bodyPr>
+          <a:lstStyle/>
+          <a:p>
+            <a:r>
+              <a:rPr lang="en-GB" sz="2400" b="1" dirty="0">
+                <a:solidFill>
+                  <a:schemeClr val="bg1"/>
+                </a:solidFill>
+              </a:rPr>
+              <a:t>1/4</a:t>
+            </a:r>
+          </a:p>
+        </p:txBody>
+      </p:sp>
+    </p:spTree>
+    <p:extLst>
+      <p:ext uri="{BB962C8B-B14F-4D97-AF65-F5344CB8AC3E}">
+        <p14:creationId xmlns:p14="http://schemas.microsoft.com/office/powerpoint/2010/main" val="2050713185"/>
+      </p:ext>
+    </p:extLst>
+  </p:cSld>
+  <p:clrMapOvr>
+    <a:masterClrMapping/>
+  </p:clrMapOvr>
+</p:sld>
+</file>
+
 <file path=ppt/slides/slide31.xml><?xml version="1.0" encoding="utf-8"?>
 <p:sld xmlns:a="http://schemas.openxmlformats.org/drawingml/2006/main" xmlns:r="http://schemas.openxmlformats.org/officeDocument/2006/relationships" xmlns:p="http://schemas.openxmlformats.org/presentationml/2006/main">
   <p:cSld>
@@ -6352,155 +6378,86 @@
           </a:bodyPr>
           <a:lstStyle/>
           <a:p>
-            <a:endParaRPr lang="en-GB" sz="6600" dirty="0">
-              <a:solidFill>
-                <a:srgbClr val="00A3E0"/>
-              </a:solidFill>
-              <a:latin typeface="akagi_probook"/>
-            </a:endParaRPr>
-          </a:p>
-          <a:p>
-            <a:r>
-              <a:rPr lang="en-GB" sz="6600" dirty="0">
-                <a:solidFill>
-                  <a:srgbClr val="00A3E0"/>
-                </a:solidFill>
-                <a:latin typeface="akagi_probook"/>
-              </a:rPr>
-              <a:t>In Jesus Name</a:t>
-            </a:r>
-          </a:p>
-          <a:p>
-            <a:r>
-              <a:rPr lang="en-GB" sz="1200" dirty="0">
-                <a:solidFill>
-                  <a:schemeClr val="bg1"/>
-                </a:solidFill>
-              </a:rPr>
-              <a:t>CCLI Song # 6454638</a:t>
-            </a:r>
-          </a:p>
-          <a:p>
-            <a:endParaRPr lang="en-GB" sz="1200" dirty="0">
-              <a:solidFill>
-                <a:schemeClr val="bg1"/>
-              </a:solidFill>
-            </a:endParaRPr>
-          </a:p>
-          <a:p>
-            <a:r>
-              <a:rPr lang="en-GB" sz="1200" dirty="0">
-                <a:solidFill>
-                  <a:schemeClr val="bg1"/>
-                </a:solidFill>
-              </a:rPr>
-              <a:t>Darlene </a:t>
-            </a:r>
-            <a:r>
-              <a:rPr lang="en-GB" sz="1200" dirty="0" err="1">
-                <a:solidFill>
-                  <a:schemeClr val="bg1"/>
-                </a:solidFill>
-              </a:rPr>
-              <a:t>Zschech</a:t>
-            </a:r>
-            <a:r>
-              <a:rPr lang="en-GB" sz="1200" dirty="0">
-                <a:solidFill>
-                  <a:schemeClr val="bg1"/>
-                </a:solidFill>
-              </a:rPr>
-              <a:t> | Israel Houghton</a:t>
-            </a:r>
-          </a:p>
-          <a:p>
-            <a:endParaRPr lang="en-GB" sz="1200" dirty="0">
-              <a:solidFill>
-                <a:schemeClr val="bg1"/>
-              </a:solidFill>
-            </a:endParaRPr>
-          </a:p>
-          <a:p>
-            <a:r>
-              <a:rPr lang="en-GB" sz="1200" dirty="0">
-                <a:solidFill>
-                  <a:schemeClr val="bg1"/>
-                </a:solidFill>
-              </a:rPr>
-              <a:t>© 2013 EWI (Admin. by Integrity Music Ltd)</a:t>
-            </a:r>
-          </a:p>
-          <a:p>
-            <a:r>
-              <a:rPr lang="en-GB" sz="1200" dirty="0">
-                <a:solidFill>
-                  <a:schemeClr val="bg1"/>
-                </a:solidFill>
-              </a:rPr>
-              <a:t>Integrity Worship Music (Admin. by Integrity Music Ltd)</a:t>
-            </a:r>
-          </a:p>
-          <a:p>
-            <a:r>
-              <a:rPr lang="en-GB" sz="1200" dirty="0">
-                <a:solidFill>
-                  <a:schemeClr val="bg1"/>
-                </a:solidFill>
-              </a:rPr>
-              <a:t>Integrity's Praise! Music (Admin. by Integrity Music Ltd)</a:t>
-            </a:r>
-          </a:p>
-          <a:p>
-            <a:r>
-              <a:rPr lang="en-GB" sz="1200" dirty="0">
-                <a:solidFill>
-                  <a:schemeClr val="bg1"/>
-                </a:solidFill>
-              </a:rPr>
-              <a:t>Sound Of The New Breed (Admin. by Integrity Music Ltd)</a:t>
-            </a:r>
-          </a:p>
-          <a:p>
-            <a:r>
-              <a:rPr lang="en-GB" sz="1200" dirty="0">
-                <a:solidFill>
-                  <a:schemeClr val="bg1"/>
-                </a:solidFill>
-              </a:rPr>
-              <a:t>For use solely with the </a:t>
-            </a:r>
-            <a:r>
-              <a:rPr lang="en-GB" sz="1200" dirty="0" err="1">
-                <a:solidFill>
-                  <a:schemeClr val="bg1"/>
-                </a:solidFill>
-              </a:rPr>
-              <a:t>SongSelect</a:t>
-            </a:r>
-            <a:r>
-              <a:rPr lang="en-GB" sz="1200" dirty="0">
-                <a:solidFill>
-                  <a:schemeClr val="bg1"/>
-                </a:solidFill>
-              </a:rPr>
-              <a:t>® Terms of Use. All rights reserved. www.ccli.com</a:t>
-            </a:r>
-          </a:p>
-          <a:p>
-            <a:endParaRPr lang="en-GB" sz="1200" dirty="0">
-              <a:solidFill>
-                <a:schemeClr val="bg1"/>
-              </a:solidFill>
-            </a:endParaRPr>
-          </a:p>
-          <a:p>
-            <a:r>
-              <a:rPr lang="en-GB" sz="1200" dirty="0">
-                <a:solidFill>
-                  <a:schemeClr val="bg1"/>
-                </a:solidFill>
-              </a:rPr>
-              <a:t>CCLI Licence No. 33265</a:t>
+            <a:r>
+              <a:rPr lang="en-GB" sz="5000" dirty="0">
+                <a:solidFill>
+                  <a:schemeClr val="bg1"/>
+                </a:solidFill>
+              </a:rPr>
+              <a:t>Turn your eyes upon Jesus</a:t>
+            </a:r>
+          </a:p>
+          <a:p>
+            <a:r>
+              <a:rPr lang="en-GB" sz="5000" dirty="0">
+                <a:solidFill>
+                  <a:schemeClr val="bg1"/>
+                </a:solidFill>
+              </a:rPr>
+              <a:t>Look full in His wonderful face</a:t>
+            </a:r>
+          </a:p>
+          <a:p>
+            <a:r>
+              <a:rPr lang="en-GB" sz="5000" dirty="0">
+                <a:solidFill>
+                  <a:schemeClr val="bg1"/>
+                </a:solidFill>
+              </a:rPr>
+              <a:t>And the things of earth</a:t>
+            </a:r>
+          </a:p>
+          <a:p>
+            <a:r>
+              <a:rPr lang="en-GB" sz="5000" dirty="0">
+                <a:solidFill>
+                  <a:schemeClr val="bg1"/>
+                </a:solidFill>
+              </a:rPr>
+              <a:t>Will grow strangely dim</a:t>
+            </a:r>
+          </a:p>
+          <a:p>
+            <a:r>
+              <a:rPr lang="en-GB" sz="5000" dirty="0">
+                <a:solidFill>
+                  <a:schemeClr val="bg1"/>
+                </a:solidFill>
+              </a:rPr>
+              <a:t>In the light of His glory and grace</a:t>
+            </a:r>
+          </a:p>
+        </p:txBody>
+      </p:sp>
+      <p:sp>
+        <p:nvSpPr>
+          <p:cNvPr id="4" name="TextBox 3"/>
+          <p:cNvSpPr txBox="1"/>
+          <p:nvPr/>
+        </p:nvSpPr>
+        <p:spPr>
+          <a:xfrm>
+            <a:off x="8529729" y="0"/>
+            <a:ext cx="628698" cy="461665"/>
+          </a:xfrm>
+          <a:prstGeom prst="rect">
+            <a:avLst/>
+          </a:prstGeom>
+          <a:noFill/>
+        </p:spPr>
+        <p:txBody>
+          <a:bodyPr wrap="none" rtlCol="0">
+            <a:spAutoFit/>
+          </a:bodyPr>
+          <a:lstStyle/>
+          <a:p>
+            <a:r>
+              <a:rPr lang="en-GB" sz="2400" b="1" dirty="0">
+                <a:solidFill>
+                  <a:schemeClr val="bg1"/>
+                </a:solidFill>
+              </a:rPr>
+              <a:t>2/4</a:t>
             </a:r>
           </a:p>
         </p:txBody>
@@ -6508,7 +6465,7 @@
     </p:spTree>
     <p:extLst>
       <p:ext uri="{BB962C8B-B14F-4D97-AF65-F5344CB8AC3E}">
-        <p14:creationId xmlns:p14="http://schemas.microsoft.com/office/powerpoint/2010/main" val="2562573237"/>
+        <p14:creationId xmlns:p14="http://schemas.microsoft.com/office/powerpoint/2010/main" val="2132530557"/>
       </p:ext>
     </p:extLst>
   </p:cSld>
@@ -6558,52 +6515,42 @@
           <a:lstStyle/>
           <a:p>
             <a:r>
-              <a:rPr lang="en-GB" sz="5400" dirty="0">
-                <a:solidFill>
-                  <a:schemeClr val="bg1"/>
-                </a:solidFill>
-              </a:rPr>
-              <a:t>God is fighting for us God is on our side</a:t>
-            </a:r>
-          </a:p>
-          <a:p>
-            <a:r>
-              <a:rPr lang="en-GB" sz="5400" dirty="0">
-                <a:solidFill>
-                  <a:schemeClr val="bg1"/>
-                </a:solidFill>
-              </a:rPr>
-              <a:t>He has overcome yes</a:t>
-            </a:r>
-          </a:p>
-          <a:p>
-            <a:r>
-              <a:rPr lang="en-GB" sz="5400" dirty="0">
-                <a:solidFill>
-                  <a:schemeClr val="bg1"/>
-                </a:solidFill>
-              </a:rPr>
-              <a:t>He has overcome</a:t>
-            </a:r>
-          </a:p>
-          <a:p>
-            <a:r>
-              <a:rPr lang="en-GB" sz="5400" dirty="0">
-                <a:solidFill>
-                  <a:schemeClr val="bg1"/>
-                </a:solidFill>
-              </a:rPr>
-              <a:t>We will not be shaken we will not be moved</a:t>
-            </a:r>
-          </a:p>
-          <a:p>
-            <a:r>
-              <a:rPr lang="en-GB" sz="5400" dirty="0">
-                <a:solidFill>
-                  <a:schemeClr val="bg1"/>
-                </a:solidFill>
-              </a:rPr>
-              <a:t>Jesus You are here</a:t>
+              <a:rPr lang="en-GB" sz="5000" dirty="0">
+                <a:solidFill>
+                  <a:schemeClr val="bg1"/>
+                </a:solidFill>
+              </a:rPr>
+              <a:t>Through death into life everlasting</a:t>
+            </a:r>
+          </a:p>
+          <a:p>
+            <a:r>
+              <a:rPr lang="en-GB" sz="5000" dirty="0">
+                <a:solidFill>
+                  <a:schemeClr val="bg1"/>
+                </a:solidFill>
+              </a:rPr>
+              <a:t>He passed and we follow Him there</a:t>
+            </a:r>
+          </a:p>
+          <a:p>
+            <a:r>
+              <a:rPr lang="en-GB" sz="5000" dirty="0">
+                <a:solidFill>
+                  <a:schemeClr val="bg1"/>
+                </a:solidFill>
+              </a:rPr>
+              <a:t>Over us sin no more hath dominion</a:t>
+            </a:r>
+          </a:p>
+          <a:p>
+            <a:r>
+              <a:rPr lang="en-GB" sz="5000" dirty="0">
+                <a:solidFill>
+                  <a:schemeClr val="bg1"/>
+                </a:solidFill>
+              </a:rPr>
+              <a:t>For more than conquerors we are</a:t>
             </a:r>
           </a:p>
         </p:txBody>
@@ -6636,7 +6583,7 @@
                   <a:schemeClr val="bg1"/>
                 </a:solidFill>
               </a:rPr>
-              <a:t>1/9</a:t>
+              <a:t>3/4</a:t>
             </a:r>
           </a:p>
         </p:txBody>
@@ -6644,7 +6591,7 @@
     </p:spTree>
     <p:extLst>
       <p:ext uri="{BB962C8B-B14F-4D97-AF65-F5344CB8AC3E}">
-        <p14:creationId xmlns:p14="http://schemas.microsoft.com/office/powerpoint/2010/main" val="1002804916"/>
+        <p14:creationId xmlns:p14="http://schemas.microsoft.com/office/powerpoint/2010/main" val="3867201889"/>
       </p:ext>
     </p:extLst>
   </p:cSld>
@@ -6694,52 +6641,42 @@
           <a:lstStyle/>
           <a:p>
             <a:r>
-              <a:rPr lang="en-GB" sz="5400" dirty="0">
-                <a:solidFill>
-                  <a:schemeClr val="bg1"/>
-                </a:solidFill>
-              </a:rPr>
-              <a:t>Carrying our burdens covering our shame</a:t>
-            </a:r>
-          </a:p>
-          <a:p>
-            <a:r>
-              <a:rPr lang="en-GB" sz="5400" dirty="0">
-                <a:solidFill>
-                  <a:schemeClr val="bg1"/>
-                </a:solidFill>
-              </a:rPr>
-              <a:t>He has overcome yes</a:t>
-            </a:r>
-          </a:p>
-          <a:p>
-            <a:r>
-              <a:rPr lang="en-GB" sz="5400" dirty="0">
-                <a:solidFill>
-                  <a:schemeClr val="bg1"/>
-                </a:solidFill>
-              </a:rPr>
-              <a:t>He has overcome</a:t>
-            </a:r>
-          </a:p>
-          <a:p>
-            <a:r>
-              <a:rPr lang="en-GB" sz="5400" dirty="0">
-                <a:solidFill>
-                  <a:schemeClr val="bg1"/>
-                </a:solidFill>
-              </a:rPr>
-              <a:t>We will not be shaken we will not be moved</a:t>
-            </a:r>
-          </a:p>
-          <a:p>
-            <a:r>
-              <a:rPr lang="en-GB" sz="5400" dirty="0">
-                <a:solidFill>
-                  <a:schemeClr val="bg1"/>
-                </a:solidFill>
-              </a:rPr>
-              <a:t>Jesus You are here</a:t>
+              <a:rPr lang="en-GB" sz="5000" dirty="0">
+                <a:solidFill>
+                  <a:schemeClr val="bg1"/>
+                </a:solidFill>
+              </a:rPr>
+              <a:t>His Word shall not fail you He promised</a:t>
+            </a:r>
+          </a:p>
+          <a:p>
+            <a:r>
+              <a:rPr lang="en-GB" sz="5000" dirty="0">
+                <a:solidFill>
+                  <a:schemeClr val="bg1"/>
+                </a:solidFill>
+              </a:rPr>
+              <a:t>Believe Him and all will be well</a:t>
+            </a:r>
+          </a:p>
+          <a:p>
+            <a:r>
+              <a:rPr lang="en-GB" sz="5000" dirty="0">
+                <a:solidFill>
+                  <a:schemeClr val="bg1"/>
+                </a:solidFill>
+              </a:rPr>
+              <a:t>Then go to a world that is dying</a:t>
+            </a:r>
+          </a:p>
+          <a:p>
+            <a:r>
+              <a:rPr lang="en-GB" sz="5000" dirty="0">
+                <a:solidFill>
+                  <a:schemeClr val="bg1"/>
+                </a:solidFill>
+              </a:rPr>
+              <a:t>His perfect salvation to tell</a:t>
             </a:r>
           </a:p>
         </p:txBody>
@@ -6772,7 +6709,7 @@
                   <a:schemeClr val="bg1"/>
                 </a:solidFill>
               </a:rPr>
-              <a:t>2/9</a:t>
+              <a:t>4/4</a:t>
             </a:r>
           </a:p>
         </p:txBody>
@@ -6780,7 +6717,7 @@
     </p:spTree>
     <p:extLst>
       <p:ext uri="{BB962C8B-B14F-4D97-AF65-F5344CB8AC3E}">
-        <p14:creationId xmlns:p14="http://schemas.microsoft.com/office/powerpoint/2010/main" val="1162680698"/>
+        <p14:creationId xmlns:p14="http://schemas.microsoft.com/office/powerpoint/2010/main" val="1536841487"/>
       </p:ext>
     </p:extLst>
   </p:cSld>
@@ -6829,82 +6766,155 @@
           </a:bodyPr>
           <a:lstStyle/>
           <a:p>
-            <a:r>
-              <a:rPr lang="en-GB" sz="5400" dirty="0">
-                <a:solidFill>
-                  <a:schemeClr val="bg1"/>
-                </a:solidFill>
-              </a:rPr>
-              <a:t>I will live I will not die</a:t>
-            </a:r>
-          </a:p>
-          <a:p>
-            <a:r>
-              <a:rPr lang="en-GB" sz="5400" dirty="0">
-                <a:solidFill>
-                  <a:schemeClr val="bg1"/>
-                </a:solidFill>
-              </a:rPr>
-              <a:t>The resurrection </a:t>
-            </a:r>
-            <a:r>
-              <a:rPr lang="en-GB" sz="5400" dirty="0" err="1">
-                <a:solidFill>
-                  <a:schemeClr val="bg1"/>
-                </a:solidFill>
-              </a:rPr>
-              <a:t>pow'r</a:t>
-            </a:r>
-            <a:r>
-              <a:rPr lang="en-GB" sz="5400" dirty="0">
-                <a:solidFill>
-                  <a:schemeClr val="bg1"/>
-                </a:solidFill>
-              </a:rPr>
-              <a:t> of Christ alive in me</a:t>
-            </a:r>
-          </a:p>
-          <a:p>
-            <a:r>
-              <a:rPr lang="en-GB" sz="5400" dirty="0">
-                <a:solidFill>
-                  <a:schemeClr val="bg1"/>
-                </a:solidFill>
-              </a:rPr>
-              <a:t>And I am free in Jesus' Name</a:t>
-            </a:r>
-          </a:p>
-        </p:txBody>
-      </p:sp>
-      <p:sp>
-        <p:nvSpPr>
-          <p:cNvPr id="4" name="TextBox 3"/>
-          <p:cNvSpPr txBox="1"/>
-          <p:nvPr/>
-        </p:nvSpPr>
-        <p:spPr>
-          <a:xfrm>
-            <a:off x="8529729" y="0"/>
-            <a:ext cx="628698" cy="461665"/>
-          </a:xfrm>
-          <a:prstGeom prst="rect">
-            <a:avLst/>
-          </a:prstGeom>
-          <a:noFill/>
-        </p:spPr>
-        <p:txBody>
-          <a:bodyPr wrap="none" rtlCol="0">
-            <a:spAutoFit/>
-          </a:bodyPr>
-          <a:lstStyle/>
-          <a:p>
-            <a:r>
-              <a:rPr lang="en-GB" sz="2400" b="1" dirty="0">
-                <a:solidFill>
-                  <a:schemeClr val="bg1"/>
-                </a:solidFill>
-              </a:rPr>
-              <a:t>3/9</a:t>
+            <a:endParaRPr lang="en-GB" sz="6600" dirty="0">
+              <a:solidFill>
+                <a:srgbClr val="00A3E0"/>
+              </a:solidFill>
+              <a:latin typeface="akagi_probook"/>
+            </a:endParaRPr>
+          </a:p>
+          <a:p>
+            <a:r>
+              <a:rPr lang="en-GB" sz="6600" dirty="0">
+                <a:solidFill>
+                  <a:srgbClr val="00A3E0"/>
+                </a:solidFill>
+                <a:latin typeface="akagi_probook"/>
+              </a:rPr>
+              <a:t>In Jesus Name</a:t>
+            </a:r>
+          </a:p>
+          <a:p>
+            <a:r>
+              <a:rPr lang="en-GB" sz="1200" dirty="0">
+                <a:solidFill>
+                  <a:schemeClr val="bg1"/>
+                </a:solidFill>
+              </a:rPr>
+              <a:t>CCLI Song # 6454638</a:t>
+            </a:r>
+          </a:p>
+          <a:p>
+            <a:endParaRPr lang="en-GB" sz="1200" dirty="0">
+              <a:solidFill>
+                <a:schemeClr val="bg1"/>
+              </a:solidFill>
+            </a:endParaRPr>
+          </a:p>
+          <a:p>
+            <a:r>
+              <a:rPr lang="en-GB" sz="1200" dirty="0">
+                <a:solidFill>
+                  <a:schemeClr val="bg1"/>
+                </a:solidFill>
+              </a:rPr>
+              <a:t>Darlene </a:t>
+            </a:r>
+            <a:r>
+              <a:rPr lang="en-GB" sz="1200" dirty="0" err="1">
+                <a:solidFill>
+                  <a:schemeClr val="bg1"/>
+                </a:solidFill>
+              </a:rPr>
+              <a:t>Zschech</a:t>
+            </a:r>
+            <a:r>
+              <a:rPr lang="en-GB" sz="1200" dirty="0">
+                <a:solidFill>
+                  <a:schemeClr val="bg1"/>
+                </a:solidFill>
+              </a:rPr>
+              <a:t> | Israel Houghton</a:t>
+            </a:r>
+          </a:p>
+          <a:p>
+            <a:endParaRPr lang="en-GB" sz="1200" dirty="0">
+              <a:solidFill>
+                <a:schemeClr val="bg1"/>
+              </a:solidFill>
+            </a:endParaRPr>
+          </a:p>
+          <a:p>
+            <a:r>
+              <a:rPr lang="en-GB" sz="1200" dirty="0">
+                <a:solidFill>
+                  <a:schemeClr val="bg1"/>
+                </a:solidFill>
+              </a:rPr>
+              <a:t>© 2013 EWI (Admin. by Integrity Music Ltd)</a:t>
+            </a:r>
+          </a:p>
+          <a:p>
+            <a:r>
+              <a:rPr lang="en-GB" sz="1200" dirty="0">
+                <a:solidFill>
+                  <a:schemeClr val="bg1"/>
+                </a:solidFill>
+              </a:rPr>
+              <a:t>Integrity Worship Music (Admin. by Integrity Music Ltd)</a:t>
+            </a:r>
+          </a:p>
+          <a:p>
+            <a:r>
+              <a:rPr lang="en-GB" sz="1200" dirty="0">
+                <a:solidFill>
+                  <a:schemeClr val="bg1"/>
+                </a:solidFill>
+              </a:rPr>
+              <a:t>Integrity's Praise! Music (Admin. by Integrity Music Ltd)</a:t>
+            </a:r>
+          </a:p>
+          <a:p>
+            <a:r>
+              <a:rPr lang="en-GB" sz="1200" dirty="0">
+                <a:solidFill>
+                  <a:schemeClr val="bg1"/>
+                </a:solidFill>
+              </a:rPr>
+              <a:t>Sound Of The New Breed (Admin. by Integrity Music Ltd)</a:t>
+            </a:r>
+          </a:p>
+          <a:p>
+            <a:r>
+              <a:rPr lang="en-GB" sz="1200" dirty="0">
+                <a:solidFill>
+                  <a:schemeClr val="bg1"/>
+                </a:solidFill>
+              </a:rPr>
+              <a:t>For use solely with the </a:t>
+            </a:r>
+            <a:r>
+              <a:rPr lang="en-GB" sz="1200" dirty="0" err="1">
+                <a:solidFill>
+                  <a:schemeClr val="bg1"/>
+                </a:solidFill>
+              </a:rPr>
+              <a:t>SongSelect</a:t>
+            </a:r>
+            <a:r>
+              <a:rPr lang="en-GB" sz="1200" dirty="0">
+                <a:solidFill>
+                  <a:schemeClr val="bg1"/>
+                </a:solidFill>
+              </a:rPr>
+              <a:t>® Terms of Use. All rights reserved. www.ccli.com</a:t>
+            </a:r>
+          </a:p>
+          <a:p>
+            <a:endParaRPr lang="en-GB" sz="1200" dirty="0">
+              <a:solidFill>
+                <a:schemeClr val="bg1"/>
+              </a:solidFill>
+            </a:endParaRPr>
+          </a:p>
+          <a:p>
+            <a:r>
+              <a:rPr lang="en-GB" sz="1200" dirty="0">
+                <a:solidFill>
+                  <a:schemeClr val="bg1"/>
+                </a:solidFill>
+              </a:rPr>
+              <a:t>CCLI Licence No. 33265</a:t>
             </a:r>
           </a:p>
         </p:txBody>
@@ -6912,7 +6922,7 @@
     </p:spTree>
     <p:extLst>
       <p:ext uri="{BB962C8B-B14F-4D97-AF65-F5344CB8AC3E}">
-        <p14:creationId xmlns:p14="http://schemas.microsoft.com/office/powerpoint/2010/main" val="3044235001"/>
+        <p14:creationId xmlns:p14="http://schemas.microsoft.com/office/powerpoint/2010/main" val="2562573237"/>
       </p:ext>
     </p:extLst>
   </p:cSld>
@@ -6967,7 +6977,7 @@
                   <a:schemeClr val="bg1"/>
                 </a:solidFill>
               </a:rPr>
-              <a:t>Carrying our burdens covering our shame</a:t>
+              <a:t>God is fighting for us God is on our side</a:t>
             </a:r>
           </a:p>
           <a:p>
@@ -7040,7 +7050,7 @@
                   <a:schemeClr val="bg1"/>
                 </a:solidFill>
               </a:rPr>
-              <a:t>4/9</a:t>
+              <a:t>1/9</a:t>
             </a:r>
           </a:p>
         </p:txBody>
@@ -7048,7 +7058,7 @@
     </p:spTree>
     <p:extLst>
       <p:ext uri="{BB962C8B-B14F-4D97-AF65-F5344CB8AC3E}">
-        <p14:creationId xmlns:p14="http://schemas.microsoft.com/office/powerpoint/2010/main" val="2604762095"/>
+        <p14:creationId xmlns:p14="http://schemas.microsoft.com/office/powerpoint/2010/main" val="1002804916"/>
       </p:ext>
     </p:extLst>
   </p:cSld>
@@ -7103,7 +7113,7 @@
                   <a:schemeClr val="bg1"/>
                 </a:solidFill>
               </a:rPr>
-              <a:t>I will live I will not die</a:t>
+              <a:t>Carrying our burdens covering our shame</a:t>
             </a:r>
           </a:p>
           <a:p>
@@ -7113,23 +7123,17 @@
                   <a:schemeClr val="bg1"/>
                 </a:solidFill>
               </a:rPr>
-              <a:t>The resurrection </a:t>
-            </a:r>
-            <a:r>
-              <a:rPr lang="en-GB" sz="5400" dirty="0" err="1">
-                <a:solidFill>
-                  <a:schemeClr val="bg1"/>
-                </a:solidFill>
-              </a:rPr>
-              <a:t>pow'r</a:t>
-            </a:r>
+              <a:t>He has overcome yes</a:t>
+            </a:r>
+          </a:p>
+          <a:p>
             <a:r>
               <a:rPr lang="en-GB" sz="5400" dirty="0">
                 <a:solidFill>
                   <a:schemeClr val="bg1"/>
                 </a:solidFill>
               </a:rPr>
-              <a:t> of Christ alive in me</a:t>
+              <a:t>He has overcome</a:t>
             </a:r>
           </a:p>
           <a:p>
@@ -7139,7 +7143,17 @@
                   <a:schemeClr val="bg1"/>
                 </a:solidFill>
               </a:rPr>
-              <a:t>And I am free in Jesus' Name</a:t>
+              <a:t>We will not be shaken we will not be moved</a:t>
+            </a:r>
+          </a:p>
+          <a:p>
+            <a:r>
+              <a:rPr lang="en-GB" sz="5400" dirty="0">
+                <a:solidFill>
+                  <a:schemeClr val="bg1"/>
+                </a:solidFill>
+              </a:rPr>
+              <a:t>Jesus You are here</a:t>
             </a:r>
           </a:p>
         </p:txBody>
@@ -7172,7 +7186,7 @@
                   <a:schemeClr val="bg1"/>
                 </a:solidFill>
               </a:rPr>
-              <a:t>5/9</a:t>
+              <a:t>2/9</a:t>
             </a:r>
           </a:p>
         </p:txBody>
@@ -7180,7 +7194,7 @@
     </p:spTree>
     <p:extLst>
       <p:ext uri="{BB962C8B-B14F-4D97-AF65-F5344CB8AC3E}">
-        <p14:creationId xmlns:p14="http://schemas.microsoft.com/office/powerpoint/2010/main" val="4251098172"/>
+        <p14:creationId xmlns:p14="http://schemas.microsoft.com/office/powerpoint/2010/main" val="1162680698"/>
       </p:ext>
     </p:extLst>
   </p:cSld>
@@ -7245,17 +7259,33 @@
                   <a:schemeClr val="bg1"/>
                 </a:solidFill>
               </a:rPr>
-              <a:t>I will declare and lift You high</a:t>
-            </a:r>
-          </a:p>
-          <a:p>
+              <a:t>The resurrection </a:t>
+            </a:r>
+            <a:r>
+              <a:rPr lang="en-GB" sz="5400" dirty="0" err="1">
+                <a:solidFill>
+                  <a:schemeClr val="bg1"/>
+                </a:solidFill>
+              </a:rPr>
+              <a:t>pow'r</a:t>
+            </a:r>
             <a:r>
               <a:rPr lang="en-GB" sz="5400" dirty="0">
                 <a:solidFill>
                   <a:schemeClr val="bg1"/>
                 </a:solidFill>
               </a:rPr>
-              <a:t>Christ revealed and I am healed in Jesus' Name</a:t>
+              <a:t> of Christ alive in me</a:t>
+            </a:r>
+          </a:p>
+          <a:p>
+            <a:r>
+              <a:rPr lang="en-GB" sz="5400" dirty="0">
+                <a:solidFill>
+                  <a:schemeClr val="bg1"/>
+                </a:solidFill>
+              </a:rPr>
+              <a:t>And I am free in Jesus' Name</a:t>
             </a:r>
           </a:p>
         </p:txBody>
@@ -7288,7 +7318,7 @@
                   <a:schemeClr val="bg1"/>
                 </a:solidFill>
               </a:rPr>
-              <a:t>6/9</a:t>
+              <a:t>3/9</a:t>
             </a:r>
           </a:p>
         </p:txBody>
@@ -7296,7 +7326,7 @@
     </p:spTree>
     <p:extLst>
       <p:ext uri="{BB962C8B-B14F-4D97-AF65-F5344CB8AC3E}">
-        <p14:creationId xmlns:p14="http://schemas.microsoft.com/office/powerpoint/2010/main" val="50309891"/>
+        <p14:creationId xmlns:p14="http://schemas.microsoft.com/office/powerpoint/2010/main" val="3044235001"/>
       </p:ext>
     </p:extLst>
   </p:cSld>
@@ -7346,42 +7376,52 @@
           <a:lstStyle/>
           <a:p>
             <a:r>
-              <a:rPr lang="en-GB" sz="5000" dirty="0">
-                <a:solidFill>
-                  <a:schemeClr val="bg1"/>
-                </a:solidFill>
-              </a:rPr>
-              <a:t>God is fighting for us pushing back the darkness</a:t>
-            </a:r>
-          </a:p>
-          <a:p>
-            <a:r>
-              <a:rPr lang="en-GB" sz="5000" dirty="0">
-                <a:solidFill>
-                  <a:schemeClr val="bg1"/>
-                </a:solidFill>
-              </a:rPr>
-              <a:t>Lighting up the Kingdom that cannot be shaken</a:t>
-            </a:r>
-          </a:p>
-          <a:p>
-            <a:r>
-              <a:rPr lang="en-GB" sz="5000" dirty="0">
-                <a:solidFill>
-                  <a:schemeClr val="bg1"/>
-                </a:solidFill>
-              </a:rPr>
-              <a:t>In the Name of Jesus enemy's defeated</a:t>
-            </a:r>
-          </a:p>
-          <a:p>
-            <a:r>
-              <a:rPr lang="en-GB" sz="5000" dirty="0">
-                <a:solidFill>
-                  <a:schemeClr val="bg1"/>
-                </a:solidFill>
-              </a:rPr>
-              <a:t>And we will shout it out shout it out</a:t>
+              <a:rPr lang="en-GB" sz="5400" dirty="0">
+                <a:solidFill>
+                  <a:schemeClr val="bg1"/>
+                </a:solidFill>
+              </a:rPr>
+              <a:t>Carrying our burdens covering our shame</a:t>
+            </a:r>
+          </a:p>
+          <a:p>
+            <a:r>
+              <a:rPr lang="en-GB" sz="5400" dirty="0">
+                <a:solidFill>
+                  <a:schemeClr val="bg1"/>
+                </a:solidFill>
+              </a:rPr>
+              <a:t>He has overcome yes</a:t>
+            </a:r>
+          </a:p>
+          <a:p>
+            <a:r>
+              <a:rPr lang="en-GB" sz="5400" dirty="0">
+                <a:solidFill>
+                  <a:schemeClr val="bg1"/>
+                </a:solidFill>
+              </a:rPr>
+              <a:t>He has overcome</a:t>
+            </a:r>
+          </a:p>
+          <a:p>
+            <a:r>
+              <a:rPr lang="en-GB" sz="5400" dirty="0">
+                <a:solidFill>
+                  <a:schemeClr val="bg1"/>
+                </a:solidFill>
+              </a:rPr>
+              <a:t>We will not be shaken we will not be moved</a:t>
+            </a:r>
+          </a:p>
+          <a:p>
+            <a:r>
+              <a:rPr lang="en-GB" sz="5400" dirty="0">
+                <a:solidFill>
+                  <a:schemeClr val="bg1"/>
+                </a:solidFill>
+              </a:rPr>
+              <a:t>Jesus You are here</a:t>
             </a:r>
           </a:p>
         </p:txBody>
@@ -7414,7 +7454,7 @@
                   <a:schemeClr val="bg1"/>
                 </a:solidFill>
               </a:rPr>
-              <a:t>7/9</a:t>
+              <a:t>4/9</a:t>
             </a:r>
           </a:p>
         </p:txBody>
@@ -7422,7 +7462,7 @@
     </p:spTree>
     <p:extLst>
       <p:ext uri="{BB962C8B-B14F-4D97-AF65-F5344CB8AC3E}">
-        <p14:creationId xmlns:p14="http://schemas.microsoft.com/office/powerpoint/2010/main" val="860279095"/>
+        <p14:creationId xmlns:p14="http://schemas.microsoft.com/office/powerpoint/2010/main" val="2604762095"/>
       </p:ext>
     </p:extLst>
   </p:cSld>
@@ -7546,7 +7586,7 @@
                   <a:schemeClr val="bg1"/>
                 </a:solidFill>
               </a:rPr>
-              <a:t>8/9</a:t>
+              <a:t>5/9</a:t>
             </a:r>
           </a:p>
         </p:txBody>
@@ -7554,7 +7594,7 @@
     </p:spTree>
     <p:extLst>
       <p:ext uri="{BB962C8B-B14F-4D97-AF65-F5344CB8AC3E}">
-        <p14:creationId xmlns:p14="http://schemas.microsoft.com/office/powerpoint/2010/main" val="3004051043"/>
+        <p14:creationId xmlns:p14="http://schemas.microsoft.com/office/powerpoint/2010/main" val="4251098172"/>
       </p:ext>
     </p:extLst>
   </p:cSld>
@@ -7604,77 +7644,42 @@
           <a:lstStyle/>
           <a:p>
             <a:r>
-              <a:rPr lang="en-GB" sz="5400" dirty="0">
-                <a:solidFill>
-                  <a:schemeClr val="bg1"/>
-                </a:solidFill>
-              </a:rPr>
-              <a:t>Our God is greater, </a:t>
-            </a:r>
-          </a:p>
-          <a:p>
-            <a:r>
-              <a:rPr lang="en-GB" sz="5400" dirty="0">
-                <a:solidFill>
-                  <a:schemeClr val="bg1"/>
-                </a:solidFill>
-              </a:rPr>
-              <a:t>Our God is stronger</a:t>
-            </a:r>
-            <a:br>
-              <a:rPr lang="en-GB" sz="5400" dirty="0">
-                <a:solidFill>
-                  <a:schemeClr val="bg1"/>
-                </a:solidFill>
-              </a:rPr>
-            </a:br>
-            <a:r>
-              <a:rPr lang="en-GB" sz="5400" dirty="0">
-                <a:solidFill>
-                  <a:schemeClr val="bg1"/>
-                </a:solidFill>
-              </a:rPr>
-              <a:t>God You are higher than any other</a:t>
-            </a:r>
-            <a:br>
-              <a:rPr lang="en-GB" sz="5400" dirty="0">
-                <a:solidFill>
-                  <a:schemeClr val="bg1"/>
-                </a:solidFill>
-              </a:rPr>
-            </a:br>
-            <a:r>
-              <a:rPr lang="en-GB" sz="5400" dirty="0">
-                <a:solidFill>
-                  <a:schemeClr val="bg1"/>
-                </a:solidFill>
-              </a:rPr>
-              <a:t>Our God is Healer, </a:t>
-            </a:r>
-          </a:p>
-          <a:p>
-            <a:r>
-              <a:rPr lang="en-GB" sz="5400" dirty="0">
-                <a:solidFill>
-                  <a:schemeClr val="bg1"/>
-                </a:solidFill>
-              </a:rPr>
-              <a:t>Awesome in power</a:t>
-            </a:r>
-            <a:br>
-              <a:rPr lang="en-GB" sz="5400" dirty="0">
-                <a:solidFill>
-                  <a:schemeClr val="bg1"/>
-                </a:solidFill>
-              </a:rPr>
-            </a:br>
-            <a:r>
-              <a:rPr lang="en-GB" sz="5400" dirty="0">
-                <a:solidFill>
-                  <a:schemeClr val="bg1"/>
-                </a:solidFill>
-              </a:rPr>
-              <a:t>Our God, Our God</a:t>
+              <a:rPr lang="en-GB" sz="6000" dirty="0">
+                <a:solidFill>
+                  <a:schemeClr val="bg1"/>
+                </a:solidFill>
+              </a:rPr>
+              <a:t>Blessed be Your name</a:t>
+            </a:r>
+          </a:p>
+          <a:p>
+            <a:r>
+              <a:rPr lang="en-GB" sz="6000" dirty="0">
+                <a:solidFill>
+                  <a:schemeClr val="bg1"/>
+                </a:solidFill>
+              </a:rPr>
+              <a:t>When I'm found in the desert place</a:t>
+            </a:r>
+          </a:p>
+          <a:p>
+            <a:r>
+              <a:rPr lang="en-GB" sz="6000" dirty="0">
+                <a:solidFill>
+                  <a:schemeClr val="bg1"/>
+                </a:solidFill>
+              </a:rPr>
+              <a:t>Though I walk through the wilderness</a:t>
+            </a:r>
+          </a:p>
+          <a:p>
+            <a:r>
+              <a:rPr lang="en-GB" sz="6000" dirty="0">
+                <a:solidFill>
+                  <a:schemeClr val="bg1"/>
+                </a:solidFill>
+              </a:rPr>
+              <a:t>Blessed be Your name</a:t>
             </a:r>
           </a:p>
         </p:txBody>
@@ -7707,7 +7712,7 @@
                   <a:schemeClr val="bg1"/>
                 </a:solidFill>
               </a:rPr>
-              <a:t>2/3</a:t>
+              <a:t>2/7</a:t>
             </a:r>
           </a:p>
         </p:txBody>
@@ -7715,7 +7720,7 @@
     </p:spTree>
     <p:extLst>
       <p:ext uri="{BB962C8B-B14F-4D97-AF65-F5344CB8AC3E}">
-        <p14:creationId xmlns:p14="http://schemas.microsoft.com/office/powerpoint/2010/main" val="2101398625"/>
+        <p14:creationId xmlns:p14="http://schemas.microsoft.com/office/powerpoint/2010/main" val="436564897"/>
       </p:ext>
     </p:extLst>
   </p:cSld>
@@ -7726,6 +7731,380 @@
 </file>
 
 <file path=ppt/slides/slide40.xml><?xml version="1.0" encoding="utf-8"?>
+<p:sld xmlns:a="http://schemas.openxmlformats.org/drawingml/2006/main" xmlns:r="http://schemas.openxmlformats.org/officeDocument/2006/relationships" xmlns:p="http://schemas.openxmlformats.org/presentationml/2006/main">
+  <p:cSld>
+    <p:spTree>
+      <p:nvGrpSpPr>
+        <p:cNvPr id="1" name=""/>
+        <p:cNvGrpSpPr/>
+        <p:nvPr/>
+      </p:nvGrpSpPr>
+      <p:grpSpPr>
+        <a:xfrm>
+          <a:off x="0" y="0"/>
+          <a:ext cx="0" cy="0"/>
+          <a:chOff x="0" y="0"/>
+          <a:chExt cx="0" cy="0"/>
+        </a:xfrm>
+      </p:grpSpPr>
+      <p:sp>
+        <p:nvSpPr>
+          <p:cNvPr id="3" name="Subtitle 2"/>
+          <p:cNvSpPr>
+            <a:spLocks noGrp="1"/>
+          </p:cNvSpPr>
+          <p:nvPr>
+            <p:ph type="subTitle" idx="1"/>
+          </p:nvPr>
+        </p:nvSpPr>
+        <p:spPr>
+          <a:xfrm>
+            <a:off x="323528" y="188640"/>
+            <a:ext cx="8640960" cy="6480720"/>
+          </a:xfrm>
+        </p:spPr>
+        <p:txBody>
+          <a:bodyPr>
+            <a:noAutofit/>
+          </a:bodyPr>
+          <a:lstStyle/>
+          <a:p>
+            <a:r>
+              <a:rPr lang="en-GB" sz="5400" dirty="0">
+                <a:solidFill>
+                  <a:schemeClr val="bg1"/>
+                </a:solidFill>
+              </a:rPr>
+              <a:t>I will live I will not die</a:t>
+            </a:r>
+          </a:p>
+          <a:p>
+            <a:r>
+              <a:rPr lang="en-GB" sz="5400" dirty="0">
+                <a:solidFill>
+                  <a:schemeClr val="bg1"/>
+                </a:solidFill>
+              </a:rPr>
+              <a:t>I will declare and lift You high</a:t>
+            </a:r>
+          </a:p>
+          <a:p>
+            <a:r>
+              <a:rPr lang="en-GB" sz="5400" dirty="0">
+                <a:solidFill>
+                  <a:schemeClr val="bg1"/>
+                </a:solidFill>
+              </a:rPr>
+              <a:t>Christ revealed and I am healed in Jesus' Name</a:t>
+            </a:r>
+          </a:p>
+        </p:txBody>
+      </p:sp>
+      <p:sp>
+        <p:nvSpPr>
+          <p:cNvPr id="4" name="TextBox 3"/>
+          <p:cNvSpPr txBox="1"/>
+          <p:nvPr/>
+        </p:nvSpPr>
+        <p:spPr>
+          <a:xfrm>
+            <a:off x="8529729" y="0"/>
+            <a:ext cx="628698" cy="461665"/>
+          </a:xfrm>
+          <a:prstGeom prst="rect">
+            <a:avLst/>
+          </a:prstGeom>
+          <a:noFill/>
+        </p:spPr>
+        <p:txBody>
+          <a:bodyPr wrap="none" rtlCol="0">
+            <a:spAutoFit/>
+          </a:bodyPr>
+          <a:lstStyle/>
+          <a:p>
+            <a:r>
+              <a:rPr lang="en-GB" sz="2400" b="1" dirty="0">
+                <a:solidFill>
+                  <a:schemeClr val="bg1"/>
+                </a:solidFill>
+              </a:rPr>
+              <a:t>6/9</a:t>
+            </a:r>
+          </a:p>
+        </p:txBody>
+      </p:sp>
+    </p:spTree>
+    <p:extLst>
+      <p:ext uri="{BB962C8B-B14F-4D97-AF65-F5344CB8AC3E}">
+        <p14:creationId xmlns:p14="http://schemas.microsoft.com/office/powerpoint/2010/main" val="50309891"/>
+      </p:ext>
+    </p:extLst>
+  </p:cSld>
+  <p:clrMapOvr>
+    <a:masterClrMapping/>
+  </p:clrMapOvr>
+</p:sld>
+</file>
+
+<file path=ppt/slides/slide41.xml><?xml version="1.0" encoding="utf-8"?>
+<p:sld xmlns:a="http://schemas.openxmlformats.org/drawingml/2006/main" xmlns:r="http://schemas.openxmlformats.org/officeDocument/2006/relationships" xmlns:p="http://schemas.openxmlformats.org/presentationml/2006/main">
+  <p:cSld>
+    <p:spTree>
+      <p:nvGrpSpPr>
+        <p:cNvPr id="1" name=""/>
+        <p:cNvGrpSpPr/>
+        <p:nvPr/>
+      </p:nvGrpSpPr>
+      <p:grpSpPr>
+        <a:xfrm>
+          <a:off x="0" y="0"/>
+          <a:ext cx="0" cy="0"/>
+          <a:chOff x="0" y="0"/>
+          <a:chExt cx="0" cy="0"/>
+        </a:xfrm>
+      </p:grpSpPr>
+      <p:sp>
+        <p:nvSpPr>
+          <p:cNvPr id="3" name="Subtitle 2"/>
+          <p:cNvSpPr>
+            <a:spLocks noGrp="1"/>
+          </p:cNvSpPr>
+          <p:nvPr>
+            <p:ph type="subTitle" idx="1"/>
+          </p:nvPr>
+        </p:nvSpPr>
+        <p:spPr>
+          <a:xfrm>
+            <a:off x="323528" y="188640"/>
+            <a:ext cx="8640960" cy="6480720"/>
+          </a:xfrm>
+        </p:spPr>
+        <p:txBody>
+          <a:bodyPr>
+            <a:noAutofit/>
+          </a:bodyPr>
+          <a:lstStyle/>
+          <a:p>
+            <a:r>
+              <a:rPr lang="en-GB" sz="5000" dirty="0">
+                <a:solidFill>
+                  <a:schemeClr val="bg1"/>
+                </a:solidFill>
+              </a:rPr>
+              <a:t>God is fighting for us pushing back the darkness</a:t>
+            </a:r>
+          </a:p>
+          <a:p>
+            <a:r>
+              <a:rPr lang="en-GB" sz="5000" dirty="0">
+                <a:solidFill>
+                  <a:schemeClr val="bg1"/>
+                </a:solidFill>
+              </a:rPr>
+              <a:t>Lighting up the Kingdom that cannot be shaken</a:t>
+            </a:r>
+          </a:p>
+          <a:p>
+            <a:r>
+              <a:rPr lang="en-GB" sz="5000" dirty="0">
+                <a:solidFill>
+                  <a:schemeClr val="bg1"/>
+                </a:solidFill>
+              </a:rPr>
+              <a:t>In the Name of Jesus enemy's defeated</a:t>
+            </a:r>
+          </a:p>
+          <a:p>
+            <a:r>
+              <a:rPr lang="en-GB" sz="5000" dirty="0">
+                <a:solidFill>
+                  <a:schemeClr val="bg1"/>
+                </a:solidFill>
+              </a:rPr>
+              <a:t>And we will shout it out shout it out</a:t>
+            </a:r>
+          </a:p>
+        </p:txBody>
+      </p:sp>
+      <p:sp>
+        <p:nvSpPr>
+          <p:cNvPr id="4" name="TextBox 3"/>
+          <p:cNvSpPr txBox="1"/>
+          <p:nvPr/>
+        </p:nvSpPr>
+        <p:spPr>
+          <a:xfrm>
+            <a:off x="8529729" y="0"/>
+            <a:ext cx="628698" cy="461665"/>
+          </a:xfrm>
+          <a:prstGeom prst="rect">
+            <a:avLst/>
+          </a:prstGeom>
+          <a:noFill/>
+        </p:spPr>
+        <p:txBody>
+          <a:bodyPr wrap="none" rtlCol="0">
+            <a:spAutoFit/>
+          </a:bodyPr>
+          <a:lstStyle/>
+          <a:p>
+            <a:r>
+              <a:rPr lang="en-GB" sz="2400" b="1" dirty="0">
+                <a:solidFill>
+                  <a:schemeClr val="bg1"/>
+                </a:solidFill>
+              </a:rPr>
+              <a:t>7/9</a:t>
+            </a:r>
+          </a:p>
+        </p:txBody>
+      </p:sp>
+    </p:spTree>
+    <p:extLst>
+      <p:ext uri="{BB962C8B-B14F-4D97-AF65-F5344CB8AC3E}">
+        <p14:creationId xmlns:p14="http://schemas.microsoft.com/office/powerpoint/2010/main" val="860279095"/>
+      </p:ext>
+    </p:extLst>
+  </p:cSld>
+  <p:clrMapOvr>
+    <a:masterClrMapping/>
+  </p:clrMapOvr>
+</p:sld>
+</file>
+
+<file path=ppt/slides/slide42.xml><?xml version="1.0" encoding="utf-8"?>
+<p:sld xmlns:a="http://schemas.openxmlformats.org/drawingml/2006/main" xmlns:r="http://schemas.openxmlformats.org/officeDocument/2006/relationships" xmlns:p="http://schemas.openxmlformats.org/presentationml/2006/main">
+  <p:cSld>
+    <p:spTree>
+      <p:nvGrpSpPr>
+        <p:cNvPr id="1" name=""/>
+        <p:cNvGrpSpPr/>
+        <p:nvPr/>
+      </p:nvGrpSpPr>
+      <p:grpSpPr>
+        <a:xfrm>
+          <a:off x="0" y="0"/>
+          <a:ext cx="0" cy="0"/>
+          <a:chOff x="0" y="0"/>
+          <a:chExt cx="0" cy="0"/>
+        </a:xfrm>
+      </p:grpSpPr>
+      <p:sp>
+        <p:nvSpPr>
+          <p:cNvPr id="3" name="Subtitle 2"/>
+          <p:cNvSpPr>
+            <a:spLocks noGrp="1"/>
+          </p:cNvSpPr>
+          <p:nvPr>
+            <p:ph type="subTitle" idx="1"/>
+          </p:nvPr>
+        </p:nvSpPr>
+        <p:spPr>
+          <a:xfrm>
+            <a:off x="323528" y="188640"/>
+            <a:ext cx="8640960" cy="6480720"/>
+          </a:xfrm>
+        </p:spPr>
+        <p:txBody>
+          <a:bodyPr>
+            <a:noAutofit/>
+          </a:bodyPr>
+          <a:lstStyle/>
+          <a:p>
+            <a:r>
+              <a:rPr lang="en-GB" sz="5400" dirty="0">
+                <a:solidFill>
+                  <a:schemeClr val="bg1"/>
+                </a:solidFill>
+              </a:rPr>
+              <a:t>I will live I will not die</a:t>
+            </a:r>
+          </a:p>
+          <a:p>
+            <a:r>
+              <a:rPr lang="en-GB" sz="5400" dirty="0">
+                <a:solidFill>
+                  <a:schemeClr val="bg1"/>
+                </a:solidFill>
+              </a:rPr>
+              <a:t>The resurrection </a:t>
+            </a:r>
+            <a:r>
+              <a:rPr lang="en-GB" sz="5400" dirty="0" err="1">
+                <a:solidFill>
+                  <a:schemeClr val="bg1"/>
+                </a:solidFill>
+              </a:rPr>
+              <a:t>pow'r</a:t>
+            </a:r>
+            <a:r>
+              <a:rPr lang="en-GB" sz="5400" dirty="0">
+                <a:solidFill>
+                  <a:schemeClr val="bg1"/>
+                </a:solidFill>
+              </a:rPr>
+              <a:t> of Christ alive in me</a:t>
+            </a:r>
+          </a:p>
+          <a:p>
+            <a:r>
+              <a:rPr lang="en-GB" sz="5400" dirty="0">
+                <a:solidFill>
+                  <a:schemeClr val="bg1"/>
+                </a:solidFill>
+              </a:rPr>
+              <a:t>And I am free in Jesus' Name</a:t>
+            </a:r>
+          </a:p>
+        </p:txBody>
+      </p:sp>
+      <p:sp>
+        <p:nvSpPr>
+          <p:cNvPr id="4" name="TextBox 3"/>
+          <p:cNvSpPr txBox="1"/>
+          <p:nvPr/>
+        </p:nvSpPr>
+        <p:spPr>
+          <a:xfrm>
+            <a:off x="8529729" y="0"/>
+            <a:ext cx="628698" cy="461665"/>
+          </a:xfrm>
+          <a:prstGeom prst="rect">
+            <a:avLst/>
+          </a:prstGeom>
+          <a:noFill/>
+        </p:spPr>
+        <p:txBody>
+          <a:bodyPr wrap="none" rtlCol="0">
+            <a:spAutoFit/>
+          </a:bodyPr>
+          <a:lstStyle/>
+          <a:p>
+            <a:r>
+              <a:rPr lang="en-GB" sz="2400" b="1" dirty="0">
+                <a:solidFill>
+                  <a:schemeClr val="bg1"/>
+                </a:solidFill>
+              </a:rPr>
+              <a:t>8/9</a:t>
+            </a:r>
+          </a:p>
+        </p:txBody>
+      </p:sp>
+    </p:spTree>
+    <p:extLst>
+      <p:ext uri="{BB962C8B-B14F-4D97-AF65-F5344CB8AC3E}">
+        <p14:creationId xmlns:p14="http://schemas.microsoft.com/office/powerpoint/2010/main" val="3004051043"/>
+      </p:ext>
+    </p:extLst>
+  </p:cSld>
+  <p:clrMapOvr>
+    <a:masterClrMapping/>
+  </p:clrMapOvr>
+</p:sld>
+</file>
+
+<file path=ppt/slides/slide43.xml><?xml version="1.0" encoding="utf-8"?>
 <p:sld xmlns:a="http://schemas.openxmlformats.org/drawingml/2006/main" xmlns:r="http://schemas.openxmlformats.org/officeDocument/2006/relationships" xmlns:p="http://schemas.openxmlformats.org/presentationml/2006/main">
   <p:cSld>
     <p:spTree>
@@ -7969,54 +8348,50 @@
           <a:lstStyle/>
           <a:p>
             <a:r>
-              <a:rPr lang="en-GB" sz="5400" dirty="0">
-                <a:solidFill>
-                  <a:schemeClr val="bg1"/>
-                </a:solidFill>
-              </a:rPr>
-              <a:t>And if Our God is for us, </a:t>
-            </a:r>
-          </a:p>
-          <a:p>
-            <a:r>
-              <a:rPr lang="en-GB" sz="5400" dirty="0">
-                <a:solidFill>
-                  <a:schemeClr val="bg1"/>
-                </a:solidFill>
-              </a:rPr>
-              <a:t>Then who could ever stop us?</a:t>
-            </a:r>
-            <a:br>
-              <a:rPr lang="en-GB" sz="5400" dirty="0">
-                <a:solidFill>
-                  <a:schemeClr val="bg1"/>
-                </a:solidFill>
-              </a:rPr>
-            </a:br>
-            <a:br>
-              <a:rPr lang="en-GB" sz="5400" dirty="0">
-                <a:solidFill>
-                  <a:schemeClr val="bg1"/>
-                </a:solidFill>
-              </a:rPr>
-            </a:br>
-            <a:r>
-              <a:rPr lang="en-GB" sz="5400" dirty="0">
-                <a:solidFill>
-                  <a:schemeClr val="bg1"/>
-                </a:solidFill>
-              </a:rPr>
-              <a:t>And if our God is with us, </a:t>
-            </a:r>
-          </a:p>
-          <a:p>
-            <a:r>
-              <a:rPr lang="en-GB" sz="5400" dirty="0">
-                <a:solidFill>
-                  <a:schemeClr val="bg1"/>
-                </a:solidFill>
-              </a:rPr>
-              <a:t>Then what can stand against? </a:t>
+              <a:rPr lang="en-GB" sz="6000" dirty="0" err="1">
+                <a:solidFill>
+                  <a:schemeClr val="bg1"/>
+                </a:solidFill>
+              </a:rPr>
+              <a:t>Ev’ry</a:t>
+            </a:r>
+            <a:r>
+              <a:rPr lang="en-GB" sz="6000" dirty="0">
+                <a:solidFill>
+                  <a:schemeClr val="bg1"/>
+                </a:solidFill>
+              </a:rPr>
+              <a:t> blessing You pour out I’ll</a:t>
+            </a:r>
+          </a:p>
+          <a:p>
+            <a:r>
+              <a:rPr lang="en-GB" sz="6000" dirty="0">
+                <a:solidFill>
+                  <a:schemeClr val="bg1"/>
+                </a:solidFill>
+              </a:rPr>
+              <a:t>Turn back to praise</a:t>
+            </a:r>
+          </a:p>
+          <a:p>
+            <a:r>
+              <a:rPr lang="en-GB" sz="6000" dirty="0">
+                <a:solidFill>
+                  <a:schemeClr val="bg1"/>
+                </a:solidFill>
+              </a:rPr>
+              <a:t>When the darkness closes in Lord</a:t>
+            </a:r>
+          </a:p>
+          <a:p>
+            <a:r>
+              <a:rPr lang="en-GB" sz="6000" dirty="0">
+                <a:solidFill>
+                  <a:schemeClr val="bg1"/>
+                </a:solidFill>
+              </a:rPr>
+              <a:t>Still I will say</a:t>
             </a:r>
           </a:p>
         </p:txBody>
@@ -8049,7 +8424,7 @@
                   <a:schemeClr val="bg1"/>
                 </a:solidFill>
               </a:rPr>
-              <a:t>3/3</a:t>
+              <a:t>3/7</a:t>
             </a:r>
           </a:p>
         </p:txBody>
@@ -8057,7 +8432,7 @@
     </p:spTree>
     <p:extLst>
       <p:ext uri="{BB962C8B-B14F-4D97-AF65-F5344CB8AC3E}">
-        <p14:creationId xmlns:p14="http://schemas.microsoft.com/office/powerpoint/2010/main" val="1279998966"/>
+        <p14:creationId xmlns:p14="http://schemas.microsoft.com/office/powerpoint/2010/main" val="4199257037"/>
       </p:ext>
     </p:extLst>
   </p:cSld>
@@ -8106,115 +8481,76 @@
           </a:bodyPr>
           <a:lstStyle/>
           <a:p>
-            <a:endParaRPr lang="en-GB" sz="5400" dirty="0">
-              <a:solidFill>
-                <a:schemeClr val="bg1"/>
-              </a:solidFill>
-            </a:endParaRPr>
-          </a:p>
-          <a:p>
-            <a:r>
-              <a:rPr lang="en-GB" sz="6600" dirty="0">
-                <a:solidFill>
-                  <a:srgbClr val="00A3E0"/>
-                </a:solidFill>
-                <a:latin typeface="akagi_probook"/>
-              </a:rPr>
-              <a:t>Blessed Be Your Name</a:t>
-            </a:r>
-            <a:endParaRPr lang="en-GB" sz="6600" b="0" i="0" dirty="0">
-              <a:solidFill>
-                <a:srgbClr val="00A3E0"/>
-              </a:solidFill>
-              <a:effectLst/>
-              <a:latin typeface="akagi_probook"/>
-            </a:endParaRPr>
-          </a:p>
-          <a:p>
-            <a:r>
-              <a:rPr lang="en-GB" sz="1200" dirty="0">
-                <a:solidFill>
-                  <a:schemeClr val="bg1"/>
-                </a:solidFill>
-              </a:rPr>
-              <a:t>CCLI Song # 3798438</a:t>
-            </a:r>
-          </a:p>
-          <a:p>
-            <a:endParaRPr lang="en-GB" sz="1200" dirty="0">
-              <a:solidFill>
-                <a:schemeClr val="bg1"/>
-              </a:solidFill>
-            </a:endParaRPr>
-          </a:p>
-          <a:p>
-            <a:r>
-              <a:rPr lang="en-GB" sz="1200" dirty="0">
-                <a:solidFill>
-                  <a:schemeClr val="bg1"/>
-                </a:solidFill>
-              </a:rPr>
-              <a:t>Beth Redman | Matt Redman</a:t>
-            </a:r>
-          </a:p>
-          <a:p>
-            <a:endParaRPr lang="en-GB" sz="1200" dirty="0">
-              <a:solidFill>
-                <a:schemeClr val="bg1"/>
-              </a:solidFill>
-            </a:endParaRPr>
-          </a:p>
-          <a:p>
-            <a:r>
-              <a:rPr lang="en-GB" sz="1200" dirty="0">
-                <a:solidFill>
-                  <a:schemeClr val="bg1"/>
-                </a:solidFill>
-              </a:rPr>
-              <a:t>© 2002 Thankyou Music (Admin. by Integrity Music Ltd)</a:t>
-            </a:r>
-          </a:p>
-          <a:p>
-            <a:r>
-              <a:rPr lang="en-GB" sz="1200" dirty="0">
-                <a:solidFill>
-                  <a:schemeClr val="bg1"/>
-                </a:solidFill>
-              </a:rPr>
-              <a:t>For use solely with the </a:t>
-            </a:r>
-            <a:r>
-              <a:rPr lang="en-GB" sz="1200" dirty="0" err="1">
-                <a:solidFill>
-                  <a:schemeClr val="bg1"/>
-                </a:solidFill>
-              </a:rPr>
-              <a:t>SongSelect</a:t>
-            </a:r>
-            <a:r>
-              <a:rPr lang="en-GB" sz="1200" dirty="0">
-                <a:solidFill>
-                  <a:schemeClr val="bg1"/>
-                </a:solidFill>
-              </a:rPr>
-              <a:t>® Terms of Use. All rights reserved. www.ccli.com</a:t>
-            </a:r>
-          </a:p>
-          <a:p>
-            <a:endParaRPr lang="en-GB" sz="1200" dirty="0">
-              <a:solidFill>
-                <a:schemeClr val="bg1"/>
-              </a:solidFill>
-            </a:endParaRPr>
-          </a:p>
-          <a:p>
-            <a:r>
-              <a:rPr lang="en-GB" sz="1200" dirty="0">
-                <a:solidFill>
-                  <a:schemeClr val="bg1"/>
-                </a:solidFill>
-              </a:rPr>
-              <a:t>CCLI Licence No. 33265</a:t>
+            <a:r>
+              <a:rPr lang="en-GB" sz="5600" dirty="0">
+                <a:solidFill>
+                  <a:schemeClr val="bg1"/>
+                </a:solidFill>
+              </a:rPr>
+              <a:t>Blessed be the name of the Lord</a:t>
+            </a:r>
+          </a:p>
+          <a:p>
+            <a:r>
+              <a:rPr lang="en-GB" sz="5600" dirty="0">
+                <a:solidFill>
+                  <a:schemeClr val="bg1"/>
+                </a:solidFill>
+              </a:rPr>
+              <a:t>Blessed be Your name</a:t>
+            </a:r>
+          </a:p>
+          <a:p>
+            <a:r>
+              <a:rPr lang="en-GB" sz="5600" dirty="0">
+                <a:solidFill>
+                  <a:schemeClr val="bg1"/>
+                </a:solidFill>
+              </a:rPr>
+              <a:t>Blessed be the name of the Lord</a:t>
+            </a:r>
+          </a:p>
+          <a:p>
+            <a:r>
+              <a:rPr lang="en-GB" sz="5600" dirty="0">
+                <a:solidFill>
+                  <a:schemeClr val="bg1"/>
+                </a:solidFill>
+              </a:rPr>
+              <a:t>Blessed be Your glorious name</a:t>
+            </a:r>
+          </a:p>
+        </p:txBody>
+      </p:sp>
+      <p:sp>
+        <p:nvSpPr>
+          <p:cNvPr id="4" name="TextBox 3"/>
+          <p:cNvSpPr txBox="1"/>
+          <p:nvPr/>
+        </p:nvSpPr>
+        <p:spPr>
+          <a:xfrm>
+            <a:off x="8529729" y="0"/>
+            <a:ext cx="628698" cy="461665"/>
+          </a:xfrm>
+          <a:prstGeom prst="rect">
+            <a:avLst/>
+          </a:prstGeom>
+          <a:noFill/>
+        </p:spPr>
+        <p:txBody>
+          <a:bodyPr wrap="none" rtlCol="0">
+            <a:spAutoFit/>
+          </a:bodyPr>
+          <a:lstStyle/>
+          <a:p>
+            <a:r>
+              <a:rPr lang="en-GB" sz="2400" b="1" dirty="0">
+                <a:solidFill>
+                  <a:schemeClr val="bg1"/>
+                </a:solidFill>
+              </a:rPr>
+              <a:t>4/7</a:t>
             </a:r>
           </a:p>
         </p:txBody>
@@ -8222,7 +8558,7 @@
     </p:spTree>
     <p:extLst>
       <p:ext uri="{BB962C8B-B14F-4D97-AF65-F5344CB8AC3E}">
-        <p14:creationId xmlns:p14="http://schemas.microsoft.com/office/powerpoint/2010/main" val="1361630718"/>
+        <p14:creationId xmlns:p14="http://schemas.microsoft.com/office/powerpoint/2010/main" val="2357600346"/>
       </p:ext>
     </p:extLst>
   </p:cSld>
@@ -8287,7 +8623,7 @@
                   <a:schemeClr val="bg1"/>
                 </a:solidFill>
               </a:rPr>
-              <a:t>In the land that is plentiful</a:t>
+              <a:t>When the sun's shining down on me</a:t>
             </a:r>
           </a:p>
           <a:p>
@@ -8297,7 +8633,7 @@
                   <a:schemeClr val="bg1"/>
                 </a:solidFill>
               </a:rPr>
-              <a:t>Where Your streams of abundance flow</a:t>
+              <a:t>When the world's all as it should be</a:t>
             </a:r>
           </a:p>
           <a:p>
@@ -8340,7 +8676,7 @@
                   <a:schemeClr val="bg1"/>
                 </a:solidFill>
               </a:rPr>
-              <a:t>1/7</a:t>
+              <a:t>5/7</a:t>
             </a:r>
           </a:p>
         </p:txBody>
@@ -8348,7 +8684,7 @@
     </p:spTree>
     <p:extLst>
       <p:ext uri="{BB962C8B-B14F-4D97-AF65-F5344CB8AC3E}">
-        <p14:creationId xmlns:p14="http://schemas.microsoft.com/office/powerpoint/2010/main" val="4190608817"/>
+        <p14:creationId xmlns:p14="http://schemas.microsoft.com/office/powerpoint/2010/main" val="1400477942"/>
       </p:ext>
     </p:extLst>
   </p:cSld>
@@ -8413,7 +8749,7 @@
                   <a:schemeClr val="bg1"/>
                 </a:solidFill>
               </a:rPr>
-              <a:t>When I'm found in the desert place</a:t>
+              <a:t>On the road marked with suffering</a:t>
             </a:r>
           </a:p>
           <a:p>
@@ -8423,7 +8759,7 @@
                   <a:schemeClr val="bg1"/>
                 </a:solidFill>
               </a:rPr>
-              <a:t>Though I walk through the wilderness</a:t>
+              <a:t>Though there's pain in the offering</a:t>
             </a:r>
           </a:p>
           <a:p>
@@ -8466,7 +8802,7 @@
                   <a:schemeClr val="bg1"/>
                 </a:solidFill>
               </a:rPr>
-              <a:t>2/7</a:t>
+              <a:t>6/7</a:t>
             </a:r>
           </a:p>
         </p:txBody>
@@ -8474,7 +8810,7 @@
     </p:spTree>
     <p:extLst>
       <p:ext uri="{BB962C8B-B14F-4D97-AF65-F5344CB8AC3E}">
-        <p14:creationId xmlns:p14="http://schemas.microsoft.com/office/powerpoint/2010/main" val="3099292676"/>
+        <p14:creationId xmlns:p14="http://schemas.microsoft.com/office/powerpoint/2010/main" val="2559064219"/>
       </p:ext>
     </p:extLst>
   </p:cSld>
@@ -8524,20 +8860,12 @@
           <a:lstStyle/>
           <a:p>
             <a:r>
-              <a:rPr lang="en-GB" sz="6000" dirty="0" err="1">
-                <a:solidFill>
-                  <a:schemeClr val="bg1"/>
-                </a:solidFill>
-              </a:rPr>
-              <a:t>Ev’ry</a:t>
-            </a:r>
-            <a:r>
               <a:rPr lang="en-GB" sz="6000" dirty="0">
                 <a:solidFill>
                   <a:schemeClr val="bg1"/>
                 </a:solidFill>
               </a:rPr>
-              <a:t> blessing You pour out I’ll</a:t>
+              <a:t>You give and take away</a:t>
             </a:r>
           </a:p>
           <a:p>
@@ -8547,7 +8875,7 @@
                   <a:schemeClr val="bg1"/>
                 </a:solidFill>
               </a:rPr>
-              <a:t>Turn back to praise</a:t>
+              <a:t>You give and take away</a:t>
             </a:r>
           </a:p>
           <a:p>
@@ -8557,7 +8885,7 @@
                   <a:schemeClr val="bg1"/>
                 </a:solidFill>
               </a:rPr>
-              <a:t>When the darkness closes in Lord</a:t>
+              <a:t>My heart will choose to say</a:t>
             </a:r>
           </a:p>
           <a:p>
@@ -8567,7 +8895,7 @@
                   <a:schemeClr val="bg1"/>
                 </a:solidFill>
               </a:rPr>
-              <a:t>Still I will say</a:t>
+              <a:t>Lord blessed be Your name</a:t>
             </a:r>
           </a:p>
         </p:txBody>
@@ -8600,7 +8928,7 @@
                   <a:schemeClr val="bg1"/>
                 </a:solidFill>
               </a:rPr>
-              <a:t>3/7</a:t>
+              <a:t>7/7</a:t>
             </a:r>
           </a:p>
         </p:txBody>
@@ -8608,7 +8936,7 @@
     </p:spTree>
     <p:extLst>
       <p:ext uri="{BB962C8B-B14F-4D97-AF65-F5344CB8AC3E}">
-        <p14:creationId xmlns:p14="http://schemas.microsoft.com/office/powerpoint/2010/main" val="1622999890"/>
+        <p14:creationId xmlns:p14="http://schemas.microsoft.com/office/powerpoint/2010/main" val="2163474573"/>
       </p:ext>
     </p:extLst>
   </p:cSld>
